--- a/documentos/Presentación - Semana 2.pptx
+++ b/documentos/Presentación - Semana 2.pptx
@@ -23,25 +23,26 @@
     <p:sldId id="328" r:id="rId17"/>
     <p:sldId id="329" r:id="rId18"/>
     <p:sldId id="330" r:id="rId19"/>
-    <p:sldId id="261" r:id="rId20"/>
+    <p:sldId id="353" r:id="rId20"/>
     <p:sldId id="352" r:id="rId21"/>
     <p:sldId id="351" r:id="rId22"/>
-    <p:sldId id="331" r:id="rId23"/>
-    <p:sldId id="332" r:id="rId24"/>
-    <p:sldId id="333" r:id="rId25"/>
-    <p:sldId id="334" r:id="rId26"/>
-    <p:sldId id="335" r:id="rId27"/>
-    <p:sldId id="336" r:id="rId28"/>
-    <p:sldId id="337" r:id="rId29"/>
-    <p:sldId id="338" r:id="rId30"/>
-    <p:sldId id="339" r:id="rId31"/>
-    <p:sldId id="262" r:id="rId32"/>
-    <p:sldId id="340" r:id="rId33"/>
-    <p:sldId id="342" r:id="rId34"/>
-    <p:sldId id="344" r:id="rId35"/>
-    <p:sldId id="346" r:id="rId36"/>
-    <p:sldId id="350" r:id="rId37"/>
-    <p:sldId id="347" r:id="rId38"/>
+    <p:sldId id="261" r:id="rId23"/>
+    <p:sldId id="331" r:id="rId24"/>
+    <p:sldId id="332" r:id="rId25"/>
+    <p:sldId id="333" r:id="rId26"/>
+    <p:sldId id="334" r:id="rId27"/>
+    <p:sldId id="335" r:id="rId28"/>
+    <p:sldId id="336" r:id="rId29"/>
+    <p:sldId id="337" r:id="rId30"/>
+    <p:sldId id="338" r:id="rId31"/>
+    <p:sldId id="339" r:id="rId32"/>
+    <p:sldId id="262" r:id="rId33"/>
+    <p:sldId id="340" r:id="rId34"/>
+    <p:sldId id="342" r:id="rId35"/>
+    <p:sldId id="344" r:id="rId36"/>
+    <p:sldId id="346" r:id="rId37"/>
+    <p:sldId id="350" r:id="rId38"/>
+    <p:sldId id="347" r:id="rId39"/>
   </p:sldIdLst>
   <p:sldSz cx="9144000" cy="6858000" type="screen4x3"/>
   <p:notesSz cx="6858000" cy="9144000"/>
@@ -279,7 +280,7 @@
           <a:p>
             <a:fld id="{B143A491-DCAD-4466-A46C-109358C404B2}" type="datetimeFigureOut">
               <a:rPr lang="en-US" smtClean="0"/>
-              <a:t>3/18/2018</a:t>
+              <a:t>3/19/2018</a:t>
             </a:fld>
             <a:endParaRPr lang="en-US"/>
           </a:p>
@@ -449,7 +450,7 @@
           <a:p>
             <a:fld id="{B143A491-DCAD-4466-A46C-109358C404B2}" type="datetimeFigureOut">
               <a:rPr lang="en-US" smtClean="0"/>
-              <a:t>3/18/2018</a:t>
+              <a:t>3/19/2018</a:t>
             </a:fld>
             <a:endParaRPr lang="en-US"/>
           </a:p>
@@ -629,7 +630,7 @@
           <a:p>
             <a:fld id="{B143A491-DCAD-4466-A46C-109358C404B2}" type="datetimeFigureOut">
               <a:rPr lang="en-US" smtClean="0"/>
-              <a:t>3/18/2018</a:t>
+              <a:t>3/19/2018</a:t>
             </a:fld>
             <a:endParaRPr lang="en-US"/>
           </a:p>
@@ -799,7 +800,7 @@
           <a:p>
             <a:fld id="{B143A491-DCAD-4466-A46C-109358C404B2}" type="datetimeFigureOut">
               <a:rPr lang="en-US" smtClean="0"/>
-              <a:t>3/18/2018</a:t>
+              <a:t>3/19/2018</a:t>
             </a:fld>
             <a:endParaRPr lang="en-US"/>
           </a:p>
@@ -1043,7 +1044,7 @@
           <a:p>
             <a:fld id="{B143A491-DCAD-4466-A46C-109358C404B2}" type="datetimeFigureOut">
               <a:rPr lang="en-US" smtClean="0"/>
-              <a:t>3/18/2018</a:t>
+              <a:t>3/19/2018</a:t>
             </a:fld>
             <a:endParaRPr lang="en-US"/>
           </a:p>
@@ -1275,7 +1276,7 @@
           <a:p>
             <a:fld id="{B143A491-DCAD-4466-A46C-109358C404B2}" type="datetimeFigureOut">
               <a:rPr lang="en-US" smtClean="0"/>
-              <a:t>3/18/2018</a:t>
+              <a:t>3/19/2018</a:t>
             </a:fld>
             <a:endParaRPr lang="en-US"/>
           </a:p>
@@ -1642,7 +1643,7 @@
           <a:p>
             <a:fld id="{B143A491-DCAD-4466-A46C-109358C404B2}" type="datetimeFigureOut">
               <a:rPr lang="en-US" smtClean="0"/>
-              <a:t>3/18/2018</a:t>
+              <a:t>3/19/2018</a:t>
             </a:fld>
             <a:endParaRPr lang="en-US"/>
           </a:p>
@@ -1760,7 +1761,7 @@
           <a:p>
             <a:fld id="{B143A491-DCAD-4466-A46C-109358C404B2}" type="datetimeFigureOut">
               <a:rPr lang="en-US" smtClean="0"/>
-              <a:t>3/18/2018</a:t>
+              <a:t>3/19/2018</a:t>
             </a:fld>
             <a:endParaRPr lang="en-US"/>
           </a:p>
@@ -1855,7 +1856,7 @@
           <a:p>
             <a:fld id="{B143A491-DCAD-4466-A46C-109358C404B2}" type="datetimeFigureOut">
               <a:rPr lang="en-US" smtClean="0"/>
-              <a:t>3/18/2018</a:t>
+              <a:t>3/19/2018</a:t>
             </a:fld>
             <a:endParaRPr lang="en-US"/>
           </a:p>
@@ -2132,7 +2133,7 @@
           <a:p>
             <a:fld id="{B143A491-DCAD-4466-A46C-109358C404B2}" type="datetimeFigureOut">
               <a:rPr lang="en-US" smtClean="0"/>
-              <a:t>3/18/2018</a:t>
+              <a:t>3/19/2018</a:t>
             </a:fld>
             <a:endParaRPr lang="en-US"/>
           </a:p>
@@ -2389,7 +2390,7 @@
           <a:p>
             <a:fld id="{B143A491-DCAD-4466-A46C-109358C404B2}" type="datetimeFigureOut">
               <a:rPr lang="en-US" smtClean="0"/>
-              <a:t>3/18/2018</a:t>
+              <a:t>3/19/2018</a:t>
             </a:fld>
             <a:endParaRPr lang="en-US"/>
           </a:p>
@@ -2602,7 +2603,7 @@
           <a:p>
             <a:fld id="{B143A491-DCAD-4466-A46C-109358C404B2}" type="datetimeFigureOut">
               <a:rPr lang="en-US" smtClean="0"/>
-              <a:t>3/18/2018</a:t>
+              <a:t>3/19/2018</a:t>
             </a:fld>
             <a:endParaRPr lang="en-US"/>
           </a:p>
@@ -7196,7 +7197,7 @@
     </p:spTree>
     <p:extLst>
       <p:ext uri="{BB962C8B-B14F-4D97-AF65-F5344CB8AC3E}">
-        <p14:creationId xmlns:p14="http://schemas.microsoft.com/office/powerpoint/2010/main" val="1665816588"/>
+        <p14:creationId xmlns:p14="http://schemas.microsoft.com/office/powerpoint/2010/main" val="883617945"/>
       </p:ext>
     </p:extLst>
   </p:cSld>
@@ -7274,7 +7275,7 @@
               </a:lnSpc>
             </a:pPr>
             <a:r>
-              <a:rPr lang="es-PE" dirty="0">
+              <a:rPr lang="es-PE" sz="3200" dirty="0">
                 <a:solidFill>
                   <a:schemeClr val="bg1">
                     <a:lumMod val="50000"/>
@@ -7291,14 +7292,14 @@
               </a:lnSpc>
             </a:pPr>
             <a:r>
-              <a:rPr lang="es-PE" dirty="0">
+              <a:rPr lang="es-PE" sz="3200" dirty="0">
                 <a:solidFill>
                   <a:schemeClr val="bg1">
                     <a:lumMod val="50000"/>
                   </a:schemeClr>
                 </a:solidFill>
               </a:rPr>
-              <a:t>Descripción del modelo de optimización</a:t>
+              <a:t>Formulación del modelo de optimización</a:t>
             </a:r>
           </a:p>
           <a:p>
@@ -7308,14 +7309,14 @@
               </a:lnSpc>
             </a:pPr>
             <a:r>
-              <a:rPr lang="es-PE" dirty="0">
+              <a:rPr lang="es-PE" sz="3200" dirty="0">
                 <a:solidFill>
                   <a:schemeClr val="bg1">
                     <a:lumMod val="50000"/>
                   </a:schemeClr>
                 </a:solidFill>
               </a:rPr>
-              <a:t>Extracción y procesamiento de datos</a:t>
+              <a:t>Próximos pasos</a:t>
             </a:r>
           </a:p>
           <a:p>
@@ -7325,48 +7326,14 @@
               </a:lnSpc>
             </a:pPr>
             <a:r>
-              <a:rPr lang="es-PE" dirty="0">
+              <a:rPr lang="es-PE" sz="3200" dirty="0">
                 <a:solidFill>
                   <a:schemeClr val="bg1">
                     <a:lumMod val="50000"/>
                   </a:schemeClr>
                 </a:solidFill>
               </a:rPr>
-              <a:t>Ejecución del modelo</a:t>
-            </a:r>
-          </a:p>
-          <a:p>
-            <a:pPr>
-              <a:lnSpc>
-                <a:spcPct val="100000"/>
-              </a:lnSpc>
-            </a:pPr>
-            <a:r>
-              <a:rPr lang="es-PE" dirty="0">
-                <a:solidFill>
-                  <a:schemeClr val="bg1">
-                    <a:lumMod val="50000"/>
-                  </a:schemeClr>
-                </a:solidFill>
-              </a:rPr>
-              <a:t>Resultados</a:t>
-            </a:r>
-          </a:p>
-          <a:p>
-            <a:pPr>
-              <a:lnSpc>
-                <a:spcPct val="100000"/>
-              </a:lnSpc>
-            </a:pPr>
-            <a:r>
-              <a:rPr lang="es-PE" dirty="0">
-                <a:solidFill>
-                  <a:schemeClr val="bg1">
-                    <a:lumMod val="50000"/>
-                  </a:schemeClr>
-                </a:solidFill>
-              </a:rPr>
-              <a:t>Conclusiones</a:t>
+              <a:t>Anexos</a:t>
             </a:r>
           </a:p>
         </p:txBody>
@@ -8023,6 +7990,178 @@
       </p:grpSpPr>
       <p:sp>
         <p:nvSpPr>
+          <p:cNvPr id="2" name="Title 1"/>
+          <p:cNvSpPr>
+            <a:spLocks noGrp="1"/>
+          </p:cNvSpPr>
+          <p:nvPr>
+            <p:ph type="title"/>
+          </p:nvPr>
+        </p:nvSpPr>
+        <p:spPr/>
+        <p:txBody>
+          <a:bodyPr/>
+          <a:lstStyle/>
+          <a:p>
+            <a:r>
+              <a:rPr lang="es-PE" dirty="0"/>
+              <a:t>Objetivos Específicos</a:t>
+            </a:r>
+            <a:endParaRPr lang="en-US" dirty="0"/>
+          </a:p>
+        </p:txBody>
+      </p:sp>
+      <p:cxnSp>
+        <p:nvCxnSpPr>
+          <p:cNvPr id="4" name="Straight Connector 3"/>
+          <p:cNvCxnSpPr/>
+          <p:nvPr/>
+        </p:nvCxnSpPr>
+        <p:spPr>
+          <a:xfrm>
+            <a:off x="500062" y="1625602"/>
+            <a:ext cx="8015288" cy="0"/>
+          </a:xfrm>
+          <a:prstGeom prst="line">
+            <a:avLst/>
+          </a:prstGeom>
+          <a:ln/>
+        </p:spPr>
+        <p:style>
+          <a:lnRef idx="3">
+            <a:schemeClr val="accent3"/>
+          </a:lnRef>
+          <a:fillRef idx="0">
+            <a:schemeClr val="accent3"/>
+          </a:fillRef>
+          <a:effectRef idx="2">
+            <a:schemeClr val="accent3"/>
+          </a:effectRef>
+          <a:fontRef idx="minor">
+            <a:schemeClr val="tx1"/>
+          </a:fontRef>
+        </p:style>
+      </p:cxnSp>
+      <p:sp>
+        <p:nvSpPr>
+          <p:cNvPr id="5" name="Content Placeholder 4">
+            <a:extLst>
+              <a:ext uri="{FF2B5EF4-FFF2-40B4-BE49-F238E27FC236}">
+                <a16:creationId xmlns:a16="http://schemas.microsoft.com/office/drawing/2014/main" id="{9DE9758A-2F12-4903-A846-173D165E5701}"/>
+              </a:ext>
+            </a:extLst>
+          </p:cNvPr>
+          <p:cNvSpPr>
+            <a:spLocks noGrp="1"/>
+          </p:cNvSpPr>
+          <p:nvPr>
+            <p:ph idx="1"/>
+          </p:nvPr>
+        </p:nvSpPr>
+        <p:spPr>
+          <a:xfrm>
+            <a:off x="628650" y="2024728"/>
+            <a:ext cx="7886700" cy="4351338"/>
+          </a:xfrm>
+        </p:spPr>
+        <p:txBody>
+          <a:bodyPr>
+            <a:normAutofit fontScale="70000" lnSpcReduction="20000"/>
+          </a:bodyPr>
+          <a:lstStyle/>
+          <a:p>
+            <a:pPr lvl="0"/>
+            <a:r>
+              <a:rPr lang="es-PE" dirty="0"/>
+              <a:t>Construir la instancia del problema de distribución de ayuda humanitaria basada en un escenario real.</a:t>
+            </a:r>
+            <a:endParaRPr lang="en-US" dirty="0"/>
+          </a:p>
+          <a:p>
+            <a:pPr lvl="0"/>
+            <a:r>
+              <a:rPr lang="es-PE" dirty="0"/>
+              <a:t>Definir la formulación de la función objetivo, restricciones, variables de decisión y parámetros del problema de distribución de ayuda humanitaria </a:t>
+            </a:r>
+            <a:endParaRPr lang="en-US" dirty="0"/>
+          </a:p>
+          <a:p>
+            <a:pPr lvl="0"/>
+            <a:r>
+              <a:rPr lang="es-PE" dirty="0"/>
+              <a:t>Definir y diseñar las estructuras de datos, función de aptitud y operadores del algoritmo genético.</a:t>
+            </a:r>
+            <a:endParaRPr lang="en-US" dirty="0"/>
+          </a:p>
+          <a:p>
+            <a:pPr lvl="0"/>
+            <a:r>
+              <a:rPr lang="es-PE" dirty="0"/>
+              <a:t>Implementar el algoritmo genético para la resolución del problema de distribución de ayuda humanitaria.</a:t>
+            </a:r>
+            <a:endParaRPr lang="en-US" dirty="0"/>
+          </a:p>
+          <a:p>
+            <a:pPr lvl="0"/>
+            <a:r>
+              <a:rPr lang="es-PE" dirty="0"/>
+              <a:t>Diseñar e implementar un programa lineal a partir de la formulación del problema de optimización.</a:t>
+            </a:r>
+            <a:endParaRPr lang="en-US" dirty="0"/>
+          </a:p>
+          <a:p>
+            <a:pPr lvl="0"/>
+            <a:r>
+              <a:rPr lang="es-PE" dirty="0"/>
+              <a:t>Diseñar y desarrollar la experimentación numérica para comparar el desempeño del algoritmo genético con el método de programación lineal.</a:t>
+            </a:r>
+            <a:endParaRPr lang="en-US" dirty="0"/>
+          </a:p>
+          <a:p>
+            <a:pPr lvl="0"/>
+            <a:r>
+              <a:rPr lang="es-PE" dirty="0"/>
+              <a:t>Desarrollar la interfaz de usuario para la ejecución y visualización de los algoritmos de optimización.</a:t>
+            </a:r>
+            <a:endParaRPr lang="en-US" dirty="0"/>
+          </a:p>
+          <a:p>
+            <a:endParaRPr lang="en-US" dirty="0"/>
+          </a:p>
+        </p:txBody>
+      </p:sp>
+    </p:spTree>
+    <p:extLst>
+      <p:ext uri="{BB962C8B-B14F-4D97-AF65-F5344CB8AC3E}">
+        <p14:creationId xmlns:p14="http://schemas.microsoft.com/office/powerpoint/2010/main" val="1665816588"/>
+      </p:ext>
+    </p:extLst>
+  </p:cSld>
+  <p:clrMapOvr>
+    <a:masterClrMapping/>
+  </p:clrMapOvr>
+</p:sld>
+</file>
+
+<file path=ppt/slides/slide23.xml><?xml version="1.0" encoding="utf-8"?>
+<p:sld xmlns:a="http://schemas.openxmlformats.org/drawingml/2006/main" xmlns:r="http://schemas.openxmlformats.org/officeDocument/2006/relationships" xmlns:p="http://schemas.openxmlformats.org/presentationml/2006/main">
+  <p:cSld>
+    <p:spTree>
+      <p:nvGrpSpPr>
+        <p:cNvPr id="1" name=""/>
+        <p:cNvGrpSpPr/>
+        <p:nvPr/>
+      </p:nvGrpSpPr>
+      <p:grpSpPr>
+        <a:xfrm>
+          <a:off x="0" y="0"/>
+          <a:ext cx="0" cy="0"/>
+          <a:chOff x="0" y="0"/>
+          <a:chExt cx="0" cy="0"/>
+        </a:xfrm>
+      </p:grpSpPr>
+      <p:sp>
+        <p:nvSpPr>
           <p:cNvPr id="4" name="Title 2">
             <a:extLst>
               <a:ext uri="{FF2B5EF4-FFF2-40B4-BE49-F238E27FC236}">
@@ -8528,7 +8667,7 @@
 </p:sld>
 </file>
 
-<file path=ppt/slides/slide23.xml><?xml version="1.0" encoding="utf-8"?>
+<file path=ppt/slides/slide24.xml><?xml version="1.0" encoding="utf-8"?>
 <p:sld xmlns:a="http://schemas.openxmlformats.org/drawingml/2006/main" xmlns:r="http://schemas.openxmlformats.org/officeDocument/2006/relationships" xmlns:p="http://schemas.openxmlformats.org/presentationml/2006/main">
   <p:cSld>
     <p:spTree>
@@ -10271,7 +10410,7 @@
 </p:sld>
 </file>
 
-<file path=ppt/slides/slide24.xml><?xml version="1.0" encoding="utf-8"?>
+<file path=ppt/slides/slide25.xml><?xml version="1.0" encoding="utf-8"?>
 <p:sld xmlns:a="http://schemas.openxmlformats.org/drawingml/2006/main" xmlns:r="http://schemas.openxmlformats.org/officeDocument/2006/relationships" xmlns:p="http://schemas.openxmlformats.org/presentationml/2006/main">
   <p:cSld>
     <p:spTree>
@@ -10796,499 +10935,6 @@
     <p:extLst>
       <p:ext uri="{BB962C8B-B14F-4D97-AF65-F5344CB8AC3E}">
         <p14:creationId xmlns:p14="http://schemas.microsoft.com/office/powerpoint/2010/main" val="1460578556"/>
-      </p:ext>
-    </p:extLst>
-  </p:cSld>
-  <p:clrMapOvr>
-    <a:masterClrMapping/>
-  </p:clrMapOvr>
-</p:sld>
-</file>
-
-<file path=ppt/slides/slide25.xml><?xml version="1.0" encoding="utf-8"?>
-<p:sld xmlns:a="http://schemas.openxmlformats.org/drawingml/2006/main" xmlns:r="http://schemas.openxmlformats.org/officeDocument/2006/relationships" xmlns:p="http://schemas.openxmlformats.org/presentationml/2006/main">
-  <p:cSld>
-    <p:spTree>
-      <p:nvGrpSpPr>
-        <p:cNvPr id="1" name=""/>
-        <p:cNvGrpSpPr/>
-        <p:nvPr/>
-      </p:nvGrpSpPr>
-      <p:grpSpPr>
-        <a:xfrm>
-          <a:off x="0" y="0"/>
-          <a:ext cx="0" cy="0"/>
-          <a:chOff x="0" y="0"/>
-          <a:chExt cx="0" cy="0"/>
-        </a:xfrm>
-      </p:grpSpPr>
-      <p:sp>
-        <p:nvSpPr>
-          <p:cNvPr id="4" name="Title 2">
-            <a:extLst>
-              <a:ext uri="{FF2B5EF4-FFF2-40B4-BE49-F238E27FC236}">
-                <a16:creationId xmlns:a16="http://schemas.microsoft.com/office/drawing/2014/main" id="{6FA46200-0C6C-4C31-AB58-EF1477AA5011}"/>
-              </a:ext>
-            </a:extLst>
-          </p:cNvPr>
-          <p:cNvSpPr>
-            <a:spLocks noGrp="1"/>
-          </p:cNvSpPr>
-          <p:nvPr>
-            <p:ph type="title"/>
-          </p:nvPr>
-        </p:nvSpPr>
-        <p:spPr>
-          <a:xfrm>
-            <a:off x="628650" y="295199"/>
-            <a:ext cx="7886700" cy="1325563"/>
-          </a:xfrm>
-        </p:spPr>
-        <p:txBody>
-          <a:bodyPr/>
-          <a:lstStyle/>
-          <a:p>
-            <a:r>
-              <a:rPr lang="es-PE" dirty="0"/>
-              <a:t>Ejemplo</a:t>
-            </a:r>
-            <a:endParaRPr lang="en-US" dirty="0"/>
-          </a:p>
-        </p:txBody>
-      </p:sp>
-      <p:cxnSp>
-        <p:nvCxnSpPr>
-          <p:cNvPr id="5" name="Straight Connector 4">
-            <a:extLst>
-              <a:ext uri="{FF2B5EF4-FFF2-40B4-BE49-F238E27FC236}">
-                <a16:creationId xmlns:a16="http://schemas.microsoft.com/office/drawing/2014/main" id="{3EFB9321-CAAC-4F9B-B9DD-1D250872CC96}"/>
-              </a:ext>
-            </a:extLst>
-          </p:cNvPr>
-          <p:cNvCxnSpPr/>
-          <p:nvPr/>
-        </p:nvCxnSpPr>
-        <p:spPr>
-          <a:xfrm>
-            <a:off x="500062" y="1539538"/>
-            <a:ext cx="8015288" cy="0"/>
-          </a:xfrm>
-          <a:prstGeom prst="line">
-            <a:avLst/>
-          </a:prstGeom>
-          <a:ln/>
-        </p:spPr>
-        <p:style>
-          <a:lnRef idx="3">
-            <a:schemeClr val="accent3"/>
-          </a:lnRef>
-          <a:fillRef idx="0">
-            <a:schemeClr val="accent3"/>
-          </a:fillRef>
-          <a:effectRef idx="2">
-            <a:schemeClr val="accent3"/>
-          </a:effectRef>
-          <a:fontRef idx="minor">
-            <a:schemeClr val="tx1"/>
-          </a:fontRef>
-        </p:style>
-      </p:cxnSp>
-      <p:sp>
-        <p:nvSpPr>
-          <p:cNvPr id="3" name="Oval 2">
-            <a:extLst>
-              <a:ext uri="{FF2B5EF4-FFF2-40B4-BE49-F238E27FC236}">
-                <a16:creationId xmlns:a16="http://schemas.microsoft.com/office/drawing/2014/main" id="{2758B197-F74C-4BB9-8E27-3DFB9CFA0545}"/>
-              </a:ext>
-            </a:extLst>
-          </p:cNvPr>
-          <p:cNvSpPr/>
-          <p:nvPr/>
-        </p:nvSpPr>
-        <p:spPr>
-          <a:xfrm>
-            <a:off x="1256306" y="4190338"/>
-            <a:ext cx="1065475" cy="1065475"/>
-          </a:xfrm>
-          <a:prstGeom prst="ellipse">
-            <a:avLst/>
-          </a:prstGeom>
-        </p:spPr>
-        <p:style>
-          <a:lnRef idx="2">
-            <a:schemeClr val="accent1">
-              <a:shade val="50000"/>
-            </a:schemeClr>
-          </a:lnRef>
-          <a:fillRef idx="1">
-            <a:schemeClr val="accent1"/>
-          </a:fillRef>
-          <a:effectRef idx="0">
-            <a:schemeClr val="accent1"/>
-          </a:effectRef>
-          <a:fontRef idx="minor">
-            <a:schemeClr val="lt1"/>
-          </a:fontRef>
-        </p:style>
-        <p:txBody>
-          <a:bodyPr rtlCol="0" anchor="ctr"/>
-          <a:lstStyle/>
-          <a:p>
-            <a:pPr algn="ctr"/>
-            <a:r>
-              <a:rPr lang="en-US" sz="5400" dirty="0"/>
-              <a:t>S</a:t>
-            </a:r>
-            <a:endParaRPr lang="en-US" dirty="0"/>
-          </a:p>
-        </p:txBody>
-      </p:sp>
-      <p:sp>
-        <p:nvSpPr>
-          <p:cNvPr id="15" name="Oval 14">
-            <a:extLst>
-              <a:ext uri="{FF2B5EF4-FFF2-40B4-BE49-F238E27FC236}">
-                <a16:creationId xmlns:a16="http://schemas.microsoft.com/office/drawing/2014/main" id="{886622D5-24CB-458F-9A4D-50AF5F7E389B}"/>
-              </a:ext>
-            </a:extLst>
-          </p:cNvPr>
-          <p:cNvSpPr/>
-          <p:nvPr/>
-        </p:nvSpPr>
-        <p:spPr>
-          <a:xfrm>
-            <a:off x="3974968" y="4190337"/>
-            <a:ext cx="1065475" cy="1065475"/>
-          </a:xfrm>
-          <a:prstGeom prst="ellipse">
-            <a:avLst/>
-          </a:prstGeom>
-        </p:spPr>
-        <p:style>
-          <a:lnRef idx="2">
-            <a:schemeClr val="accent1">
-              <a:shade val="50000"/>
-            </a:schemeClr>
-          </a:lnRef>
-          <a:fillRef idx="1">
-            <a:schemeClr val="accent1"/>
-          </a:fillRef>
-          <a:effectRef idx="0">
-            <a:schemeClr val="accent1"/>
-          </a:effectRef>
-          <a:fontRef idx="minor">
-            <a:schemeClr val="lt1"/>
-          </a:fontRef>
-        </p:style>
-        <p:txBody>
-          <a:bodyPr rtlCol="0" anchor="ctr"/>
-          <a:lstStyle/>
-          <a:p>
-            <a:pPr algn="ctr"/>
-            <a:r>
-              <a:rPr lang="en-US" sz="5400" dirty="0"/>
-              <a:t>T</a:t>
-            </a:r>
-          </a:p>
-        </p:txBody>
-      </p:sp>
-      <p:sp>
-        <p:nvSpPr>
-          <p:cNvPr id="16" name="Oval 15">
-            <a:extLst>
-              <a:ext uri="{FF2B5EF4-FFF2-40B4-BE49-F238E27FC236}">
-                <a16:creationId xmlns:a16="http://schemas.microsoft.com/office/drawing/2014/main" id="{37694C86-85E6-4545-B530-B9AE9F3B692E}"/>
-              </a:ext>
-            </a:extLst>
-          </p:cNvPr>
-          <p:cNvSpPr/>
-          <p:nvPr/>
-        </p:nvSpPr>
-        <p:spPr>
-          <a:xfrm>
-            <a:off x="6791739" y="4190337"/>
-            <a:ext cx="1065475" cy="1065475"/>
-          </a:xfrm>
-          <a:prstGeom prst="ellipse">
-            <a:avLst/>
-          </a:prstGeom>
-        </p:spPr>
-        <p:style>
-          <a:lnRef idx="2">
-            <a:schemeClr val="accent1">
-              <a:shade val="50000"/>
-            </a:schemeClr>
-          </a:lnRef>
-          <a:fillRef idx="1">
-            <a:schemeClr val="accent1"/>
-          </a:fillRef>
-          <a:effectRef idx="0">
-            <a:schemeClr val="accent1"/>
-          </a:effectRef>
-          <a:fontRef idx="minor">
-            <a:schemeClr val="lt1"/>
-          </a:fontRef>
-        </p:style>
-        <p:txBody>
-          <a:bodyPr rtlCol="0" anchor="ctr"/>
-          <a:lstStyle/>
-          <a:p>
-            <a:pPr algn="ctr"/>
-            <a:r>
-              <a:rPr lang="en-US" sz="5400" dirty="0"/>
-              <a:t>R</a:t>
-            </a:r>
-            <a:endParaRPr lang="en-US" dirty="0"/>
-          </a:p>
-        </p:txBody>
-      </p:sp>
-      <p:cxnSp>
-        <p:nvCxnSpPr>
-          <p:cNvPr id="8" name="Straight Arrow Connector 7">
-            <a:extLst>
-              <a:ext uri="{FF2B5EF4-FFF2-40B4-BE49-F238E27FC236}">
-                <a16:creationId xmlns:a16="http://schemas.microsoft.com/office/drawing/2014/main" id="{66CD046C-7AB8-4490-B8C6-38A6BF9034D7}"/>
-              </a:ext>
-            </a:extLst>
-          </p:cNvPr>
-          <p:cNvCxnSpPr>
-            <a:stCxn id="3" idx="6"/>
-            <a:endCxn id="15" idx="2"/>
-          </p:cNvCxnSpPr>
-          <p:nvPr/>
-        </p:nvCxnSpPr>
-        <p:spPr>
-          <a:xfrm flipV="1">
-            <a:off x="2321781" y="4723075"/>
-            <a:ext cx="1653187" cy="1"/>
-          </a:xfrm>
-          <a:prstGeom prst="straightConnector1">
-            <a:avLst/>
-          </a:prstGeom>
-          <a:ln w="76200">
-            <a:tailEnd type="triangle"/>
-          </a:ln>
-        </p:spPr>
-        <p:style>
-          <a:lnRef idx="1">
-            <a:schemeClr val="accent1"/>
-          </a:lnRef>
-          <a:fillRef idx="0">
-            <a:schemeClr val="accent1"/>
-          </a:fillRef>
-          <a:effectRef idx="0">
-            <a:schemeClr val="accent1"/>
-          </a:effectRef>
-          <a:fontRef idx="minor">
-            <a:schemeClr val="tx1"/>
-          </a:fontRef>
-        </p:style>
-      </p:cxnSp>
-      <p:cxnSp>
-        <p:nvCxnSpPr>
-          <p:cNvPr id="17" name="Straight Arrow Connector 16">
-            <a:extLst>
-              <a:ext uri="{FF2B5EF4-FFF2-40B4-BE49-F238E27FC236}">
-                <a16:creationId xmlns:a16="http://schemas.microsoft.com/office/drawing/2014/main" id="{D9925694-FDF1-4E27-88BC-D82BBCC5F5FA}"/>
-              </a:ext>
-            </a:extLst>
-          </p:cNvPr>
-          <p:cNvCxnSpPr>
-            <a:cxnSpLocks/>
-            <a:stCxn id="15" idx="6"/>
-            <a:endCxn id="16" idx="2"/>
-          </p:cNvCxnSpPr>
-          <p:nvPr/>
-        </p:nvCxnSpPr>
-        <p:spPr>
-          <a:xfrm>
-            <a:off x="5040443" y="4723075"/>
-            <a:ext cx="1751296" cy="0"/>
-          </a:xfrm>
-          <a:prstGeom prst="straightConnector1">
-            <a:avLst/>
-          </a:prstGeom>
-          <a:ln w="76200">
-            <a:tailEnd type="triangle"/>
-          </a:ln>
-        </p:spPr>
-        <p:style>
-          <a:lnRef idx="1">
-            <a:schemeClr val="accent1"/>
-          </a:lnRef>
-          <a:fillRef idx="0">
-            <a:schemeClr val="accent1"/>
-          </a:fillRef>
-          <a:effectRef idx="0">
-            <a:schemeClr val="accent1"/>
-          </a:effectRef>
-          <a:fontRef idx="minor">
-            <a:schemeClr val="tx1"/>
-          </a:fontRef>
-        </p:style>
-      </p:cxnSp>
-      <p:sp>
-        <p:nvSpPr>
-          <p:cNvPr id="18" name="TextBox 17">
-            <a:extLst>
-              <a:ext uri="{FF2B5EF4-FFF2-40B4-BE49-F238E27FC236}">
-                <a16:creationId xmlns:a16="http://schemas.microsoft.com/office/drawing/2014/main" id="{EED1ED69-9C64-49D9-B647-643CBD2DD06D}"/>
-              </a:ext>
-            </a:extLst>
-          </p:cNvPr>
-          <p:cNvSpPr txBox="1"/>
-          <p:nvPr/>
-        </p:nvSpPr>
-        <p:spPr>
-          <a:xfrm>
-            <a:off x="4039467" y="3003067"/>
-            <a:ext cx="936475" cy="954107"/>
-          </a:xfrm>
-          <a:prstGeom prst="rect">
-            <a:avLst/>
-          </a:prstGeom>
-          <a:noFill/>
-        </p:spPr>
-        <p:txBody>
-          <a:bodyPr wrap="none" rtlCol="0">
-            <a:spAutoFit/>
-          </a:bodyPr>
-          <a:lstStyle/>
-          <a:p>
-            <a:r>
-              <a:rPr lang="en-US" sz="2800" dirty="0"/>
-              <a:t>A: 30</a:t>
-            </a:r>
-          </a:p>
-          <a:p>
-            <a:r>
-              <a:rPr lang="en-US" sz="2800" dirty="0"/>
-              <a:t>B: 50</a:t>
-            </a:r>
-          </a:p>
-        </p:txBody>
-      </p:sp>
-      <p:sp>
-        <p:nvSpPr>
-          <p:cNvPr id="21" name="TextBox 20">
-            <a:extLst>
-              <a:ext uri="{FF2B5EF4-FFF2-40B4-BE49-F238E27FC236}">
-                <a16:creationId xmlns:a16="http://schemas.microsoft.com/office/drawing/2014/main" id="{662F5FB0-E68E-420C-AC78-B9C47B5B43FA}"/>
-              </a:ext>
-            </a:extLst>
-          </p:cNvPr>
-          <p:cNvSpPr txBox="1"/>
-          <p:nvPr/>
-        </p:nvSpPr>
-        <p:spPr>
-          <a:xfrm>
-            <a:off x="746390" y="2039013"/>
-            <a:ext cx="1019831" cy="523220"/>
-          </a:xfrm>
-          <a:prstGeom prst="rect">
-            <a:avLst/>
-          </a:prstGeom>
-          <a:noFill/>
-        </p:spPr>
-        <p:txBody>
-          <a:bodyPr wrap="none" rtlCol="0">
-            <a:spAutoFit/>
-          </a:bodyPr>
-          <a:lstStyle/>
-          <a:p>
-            <a:r>
-              <a:rPr lang="en-US" sz="2800" dirty="0"/>
-              <a:t>Día 1:</a:t>
-            </a:r>
-          </a:p>
-        </p:txBody>
-      </p:sp>
-      <p:sp>
-        <p:nvSpPr>
-          <p:cNvPr id="13" name="TextBox 12">
-            <a:extLst>
-              <a:ext uri="{FF2B5EF4-FFF2-40B4-BE49-F238E27FC236}">
-                <a16:creationId xmlns:a16="http://schemas.microsoft.com/office/drawing/2014/main" id="{8C0071CD-D20B-4EA5-B5FE-034FA32503E4}"/>
-              </a:ext>
-            </a:extLst>
-          </p:cNvPr>
-          <p:cNvSpPr txBox="1"/>
-          <p:nvPr/>
-        </p:nvSpPr>
-        <p:spPr>
-          <a:xfrm>
-            <a:off x="1385306" y="3025546"/>
-            <a:ext cx="936475" cy="954107"/>
-          </a:xfrm>
-          <a:prstGeom prst="rect">
-            <a:avLst/>
-          </a:prstGeom>
-          <a:noFill/>
-        </p:spPr>
-        <p:txBody>
-          <a:bodyPr wrap="none" rtlCol="0">
-            <a:spAutoFit/>
-          </a:bodyPr>
-          <a:lstStyle/>
-          <a:p>
-            <a:r>
-              <a:rPr lang="en-US" sz="2800" dirty="0"/>
-              <a:t>A: 30</a:t>
-            </a:r>
-          </a:p>
-          <a:p>
-            <a:r>
-              <a:rPr lang="en-US" sz="2800" dirty="0"/>
-              <a:t>B: 0</a:t>
-            </a:r>
-          </a:p>
-        </p:txBody>
-      </p:sp>
-      <p:sp>
-        <p:nvSpPr>
-          <p:cNvPr id="14" name="TextBox 13">
-            <a:extLst>
-              <a:ext uri="{FF2B5EF4-FFF2-40B4-BE49-F238E27FC236}">
-                <a16:creationId xmlns:a16="http://schemas.microsoft.com/office/drawing/2014/main" id="{A00115E1-1B70-4068-8D82-635C95E1591E}"/>
-              </a:ext>
-            </a:extLst>
-          </p:cNvPr>
-          <p:cNvSpPr txBox="1"/>
-          <p:nvPr/>
-        </p:nvSpPr>
-        <p:spPr>
-          <a:xfrm>
-            <a:off x="6856238" y="3025545"/>
-            <a:ext cx="936475" cy="954107"/>
-          </a:xfrm>
-          <a:prstGeom prst="rect">
-            <a:avLst/>
-          </a:prstGeom>
-          <a:noFill/>
-        </p:spPr>
-        <p:txBody>
-          <a:bodyPr wrap="none" rtlCol="0">
-            <a:spAutoFit/>
-          </a:bodyPr>
-          <a:lstStyle/>
-          <a:p>
-            <a:r>
-              <a:rPr lang="en-US" sz="2800" dirty="0"/>
-              <a:t>A: 10</a:t>
-            </a:r>
-          </a:p>
-          <a:p>
-            <a:r>
-              <a:rPr lang="en-US" sz="2800" dirty="0"/>
-              <a:t>B: 5</a:t>
-            </a:r>
-          </a:p>
-        </p:txBody>
-      </p:sp>
-    </p:spTree>
-    <p:extLst>
-      <p:ext uri="{BB962C8B-B14F-4D97-AF65-F5344CB8AC3E}">
-        <p14:creationId xmlns:p14="http://schemas.microsoft.com/office/powerpoint/2010/main" val="3321542938"/>
       </p:ext>
     </p:extLst>
   </p:cSld>
@@ -11634,7 +11280,7 @@
         </p:nvSpPr>
         <p:spPr>
           <a:xfrm>
-            <a:off x="2530294" y="3611269"/>
+            <a:off x="4039467" y="3003067"/>
             <a:ext cx="936475" cy="954107"/>
           </a:xfrm>
           <a:prstGeom prst="rect">
@@ -11654,16 +11300,19 @@
             </a:r>
           </a:p>
           <a:p>
-            <a:endParaRPr lang="en-US" sz="2800" dirty="0"/>
-          </a:p>
-        </p:txBody>
-      </p:sp>
-      <p:sp>
-        <p:nvSpPr>
-          <p:cNvPr id="19" name="TextBox 18">
-            <a:extLst>
-              <a:ext uri="{FF2B5EF4-FFF2-40B4-BE49-F238E27FC236}">
-                <a16:creationId xmlns:a16="http://schemas.microsoft.com/office/drawing/2014/main" id="{94284189-AF30-49A3-B0BF-3A23197940F7}"/>
+            <a:r>
+              <a:rPr lang="en-US" sz="2800" dirty="0"/>
+              <a:t>B: 50</a:t>
+            </a:r>
+          </a:p>
+        </p:txBody>
+      </p:sp>
+      <p:sp>
+        <p:nvSpPr>
+          <p:cNvPr id="21" name="TextBox 20">
+            <a:extLst>
+              <a:ext uri="{FF2B5EF4-FFF2-40B4-BE49-F238E27FC236}">
+                <a16:creationId xmlns:a16="http://schemas.microsoft.com/office/drawing/2014/main" id="{662F5FB0-E68E-420C-AC78-B9C47B5B43FA}"/>
               </a:ext>
             </a:extLst>
           </p:cNvPr>
@@ -11672,8 +11321,8 @@
         </p:nvSpPr>
         <p:spPr>
           <a:xfrm>
-            <a:off x="5311676" y="3611268"/>
-            <a:ext cx="936475" cy="954107"/>
+            <a:off x="746390" y="2039013"/>
+            <a:ext cx="1019831" cy="523220"/>
           </a:xfrm>
           <a:prstGeom prst="rect">
             <a:avLst/>
@@ -11688,23 +11337,17 @@
           <a:p>
             <a:r>
               <a:rPr lang="en-US" sz="2800" dirty="0"/>
-              <a:t>A: 30</a:t>
-            </a:r>
-          </a:p>
-          <a:p>
-            <a:r>
-              <a:rPr lang="en-US" sz="2800" dirty="0"/>
-              <a:t>B: 50</a:t>
-            </a:r>
-          </a:p>
-        </p:txBody>
-      </p:sp>
-      <p:sp>
-        <p:nvSpPr>
-          <p:cNvPr id="21" name="TextBox 20">
-            <a:extLst>
-              <a:ext uri="{FF2B5EF4-FFF2-40B4-BE49-F238E27FC236}">
-                <a16:creationId xmlns:a16="http://schemas.microsoft.com/office/drawing/2014/main" id="{662F5FB0-E68E-420C-AC78-B9C47B5B43FA}"/>
+              <a:t>Día 1:</a:t>
+            </a:r>
+          </a:p>
+        </p:txBody>
+      </p:sp>
+      <p:sp>
+        <p:nvSpPr>
+          <p:cNvPr id="13" name="TextBox 12">
+            <a:extLst>
+              <a:ext uri="{FF2B5EF4-FFF2-40B4-BE49-F238E27FC236}">
+                <a16:creationId xmlns:a16="http://schemas.microsoft.com/office/drawing/2014/main" id="{8C0071CD-D20B-4EA5-B5FE-034FA32503E4}"/>
               </a:ext>
             </a:extLst>
           </p:cNvPr>
@@ -11713,8 +11356,8 @@
         </p:nvSpPr>
         <p:spPr>
           <a:xfrm>
-            <a:off x="746390" y="2039013"/>
-            <a:ext cx="1019831" cy="523220"/>
+            <a:off x="1385306" y="3025546"/>
+            <a:ext cx="936475" cy="954107"/>
           </a:xfrm>
           <a:prstGeom prst="rect">
             <a:avLst/>
@@ -11729,17 +11372,23 @@
           <a:p>
             <a:r>
               <a:rPr lang="en-US" sz="2800" dirty="0"/>
-              <a:t>Día 2:</a:t>
-            </a:r>
-          </a:p>
-        </p:txBody>
-      </p:sp>
-      <p:sp>
-        <p:nvSpPr>
-          <p:cNvPr id="13" name="TextBox 12">
-            <a:extLst>
-              <a:ext uri="{FF2B5EF4-FFF2-40B4-BE49-F238E27FC236}">
-                <a16:creationId xmlns:a16="http://schemas.microsoft.com/office/drawing/2014/main" id="{8C0071CD-D20B-4EA5-B5FE-034FA32503E4}"/>
+              <a:t>A: 30</a:t>
+            </a:r>
+          </a:p>
+          <a:p>
+            <a:r>
+              <a:rPr lang="en-US" sz="2800" dirty="0"/>
+              <a:t>B: 0</a:t>
+            </a:r>
+          </a:p>
+        </p:txBody>
+      </p:sp>
+      <p:sp>
+        <p:nvSpPr>
+          <p:cNvPr id="14" name="TextBox 13">
+            <a:extLst>
+              <a:ext uri="{FF2B5EF4-FFF2-40B4-BE49-F238E27FC236}">
+                <a16:creationId xmlns:a16="http://schemas.microsoft.com/office/drawing/2014/main" id="{A00115E1-1B70-4068-8D82-635C95E1591E}"/>
               </a:ext>
             </a:extLst>
           </p:cNvPr>
@@ -11748,7 +11397,7 @@
         </p:nvSpPr>
         <p:spPr>
           <a:xfrm>
-            <a:off x="1385306" y="3025546"/>
+            <a:off x="6856238" y="3025545"/>
             <a:ext cx="936475" cy="954107"/>
           </a:xfrm>
           <a:prstGeom prst="rect">
@@ -11764,88 +11413,6 @@
           <a:p>
             <a:r>
               <a:rPr lang="en-US" sz="2800" dirty="0"/>
-              <a:t>A: 30</a:t>
-            </a:r>
-          </a:p>
-          <a:p>
-            <a:r>
-              <a:rPr lang="en-US" sz="2800" dirty="0"/>
-              <a:t>B: 0</a:t>
-            </a:r>
-          </a:p>
-        </p:txBody>
-      </p:sp>
-      <p:sp>
-        <p:nvSpPr>
-          <p:cNvPr id="14" name="TextBox 13">
-            <a:extLst>
-              <a:ext uri="{FF2B5EF4-FFF2-40B4-BE49-F238E27FC236}">
-                <a16:creationId xmlns:a16="http://schemas.microsoft.com/office/drawing/2014/main" id="{A00115E1-1B70-4068-8D82-635C95E1591E}"/>
-              </a:ext>
-            </a:extLst>
-          </p:cNvPr>
-          <p:cNvSpPr txBox="1"/>
-          <p:nvPr/>
-        </p:nvSpPr>
-        <p:spPr>
-          <a:xfrm>
-            <a:off x="4039467" y="2980485"/>
-            <a:ext cx="936475" cy="954107"/>
-          </a:xfrm>
-          <a:prstGeom prst="rect">
-            <a:avLst/>
-          </a:prstGeom>
-          <a:noFill/>
-        </p:spPr>
-        <p:txBody>
-          <a:bodyPr wrap="none" rtlCol="0">
-            <a:spAutoFit/>
-          </a:bodyPr>
-          <a:lstStyle/>
-          <a:p>
-            <a:r>
-              <a:rPr lang="en-US" sz="2800" dirty="0"/>
-              <a:t>A: 30</a:t>
-            </a:r>
-          </a:p>
-          <a:p>
-            <a:r>
-              <a:rPr lang="en-US" sz="2800" dirty="0"/>
-              <a:t>B: 50</a:t>
-            </a:r>
-          </a:p>
-        </p:txBody>
-      </p:sp>
-      <p:sp>
-        <p:nvSpPr>
-          <p:cNvPr id="20" name="TextBox 19">
-            <a:extLst>
-              <a:ext uri="{FF2B5EF4-FFF2-40B4-BE49-F238E27FC236}">
-                <a16:creationId xmlns:a16="http://schemas.microsoft.com/office/drawing/2014/main" id="{161BF76B-CDB4-49B4-9D22-95907597D1AC}"/>
-              </a:ext>
-            </a:extLst>
-          </p:cNvPr>
-          <p:cNvSpPr txBox="1"/>
-          <p:nvPr/>
-        </p:nvSpPr>
-        <p:spPr>
-          <a:xfrm>
-            <a:off x="6856238" y="3025545"/>
-            <a:ext cx="936475" cy="954107"/>
-          </a:xfrm>
-          <a:prstGeom prst="rect">
-            <a:avLst/>
-          </a:prstGeom>
-          <a:noFill/>
-        </p:spPr>
-        <p:txBody>
-          <a:bodyPr wrap="none" rtlCol="0">
-            <a:spAutoFit/>
-          </a:bodyPr>
-          <a:lstStyle/>
-          <a:p>
-            <a:r>
-              <a:rPr lang="en-US" sz="2800" dirty="0"/>
               <a:t>A: 10</a:t>
             </a:r>
           </a:p>
@@ -11860,7 +11427,7 @@
     </p:spTree>
     <p:extLst>
       <p:ext uri="{BB962C8B-B14F-4D97-AF65-F5344CB8AC3E}">
-        <p14:creationId xmlns:p14="http://schemas.microsoft.com/office/powerpoint/2010/main" val="333000486"/>
+        <p14:creationId xmlns:p14="http://schemas.microsoft.com/office/powerpoint/2010/main" val="3321542938"/>
       </p:ext>
     </p:extLst>
   </p:cSld>
@@ -12194,10 +11761,10 @@
       </p:cxnSp>
       <p:sp>
         <p:nvSpPr>
-          <p:cNvPr id="21" name="TextBox 20">
-            <a:extLst>
-              <a:ext uri="{FF2B5EF4-FFF2-40B4-BE49-F238E27FC236}">
-                <a16:creationId xmlns:a16="http://schemas.microsoft.com/office/drawing/2014/main" id="{662F5FB0-E68E-420C-AC78-B9C47B5B43FA}"/>
+          <p:cNvPr id="18" name="TextBox 17">
+            <a:extLst>
+              <a:ext uri="{FF2B5EF4-FFF2-40B4-BE49-F238E27FC236}">
+                <a16:creationId xmlns:a16="http://schemas.microsoft.com/office/drawing/2014/main" id="{EED1ED69-9C64-49D9-B647-643CBD2DD06D}"/>
               </a:ext>
             </a:extLst>
           </p:cNvPr>
@@ -12206,8 +11773,8 @@
         </p:nvSpPr>
         <p:spPr>
           <a:xfrm>
-            <a:off x="746390" y="2039013"/>
-            <a:ext cx="1019831" cy="523220"/>
+            <a:off x="2530294" y="3611269"/>
+            <a:ext cx="936475" cy="954107"/>
           </a:xfrm>
           <a:prstGeom prst="rect">
             <a:avLst/>
@@ -12222,17 +11789,20 @@
           <a:p>
             <a:r>
               <a:rPr lang="en-US" sz="2800" dirty="0"/>
-              <a:t>Día 2:</a:t>
-            </a:r>
-          </a:p>
-        </p:txBody>
-      </p:sp>
-      <p:sp>
-        <p:nvSpPr>
-          <p:cNvPr id="13" name="TextBox 12">
-            <a:extLst>
-              <a:ext uri="{FF2B5EF4-FFF2-40B4-BE49-F238E27FC236}">
-                <a16:creationId xmlns:a16="http://schemas.microsoft.com/office/drawing/2014/main" id="{8C0071CD-D20B-4EA5-B5FE-034FA32503E4}"/>
+              <a:t>A: 30</a:t>
+            </a:r>
+          </a:p>
+          <a:p>
+            <a:endParaRPr lang="en-US" sz="2800" dirty="0"/>
+          </a:p>
+        </p:txBody>
+      </p:sp>
+      <p:sp>
+        <p:nvSpPr>
+          <p:cNvPr id="19" name="TextBox 18">
+            <a:extLst>
+              <a:ext uri="{FF2B5EF4-FFF2-40B4-BE49-F238E27FC236}">
+                <a16:creationId xmlns:a16="http://schemas.microsoft.com/office/drawing/2014/main" id="{94284189-AF30-49A3-B0BF-3A23197940F7}"/>
               </a:ext>
             </a:extLst>
           </p:cNvPr>
@@ -12241,8 +11811,8 @@
         </p:nvSpPr>
         <p:spPr>
           <a:xfrm>
-            <a:off x="1385306" y="3025546"/>
-            <a:ext cx="753732" cy="954107"/>
+            <a:off x="5311676" y="3611268"/>
+            <a:ext cx="936475" cy="954107"/>
           </a:xfrm>
           <a:prstGeom prst="rect">
             <a:avLst/>
@@ -12257,23 +11827,23 @@
           <a:p>
             <a:r>
               <a:rPr lang="en-US" sz="2800" dirty="0"/>
-              <a:t>A: 0</a:t>
+              <a:t>A: 30</a:t>
             </a:r>
           </a:p>
           <a:p>
             <a:r>
               <a:rPr lang="en-US" sz="2800" dirty="0"/>
-              <a:t>B: 0</a:t>
-            </a:r>
-          </a:p>
-        </p:txBody>
-      </p:sp>
-      <p:sp>
-        <p:nvSpPr>
-          <p:cNvPr id="14" name="TextBox 13">
-            <a:extLst>
-              <a:ext uri="{FF2B5EF4-FFF2-40B4-BE49-F238E27FC236}">
-                <a16:creationId xmlns:a16="http://schemas.microsoft.com/office/drawing/2014/main" id="{A00115E1-1B70-4068-8D82-635C95E1591E}"/>
+              <a:t>B: 50</a:t>
+            </a:r>
+          </a:p>
+        </p:txBody>
+      </p:sp>
+      <p:sp>
+        <p:nvSpPr>
+          <p:cNvPr id="21" name="TextBox 20">
+            <a:extLst>
+              <a:ext uri="{FF2B5EF4-FFF2-40B4-BE49-F238E27FC236}">
+                <a16:creationId xmlns:a16="http://schemas.microsoft.com/office/drawing/2014/main" id="{662F5FB0-E68E-420C-AC78-B9C47B5B43FA}"/>
               </a:ext>
             </a:extLst>
           </p:cNvPr>
@@ -12282,8 +11852,8 @@
         </p:nvSpPr>
         <p:spPr>
           <a:xfrm>
-            <a:off x="4039467" y="2980485"/>
-            <a:ext cx="936475" cy="954107"/>
+            <a:off x="746390" y="2039013"/>
+            <a:ext cx="1019831" cy="523220"/>
           </a:xfrm>
           <a:prstGeom prst="rect">
             <a:avLst/>
@@ -12298,23 +11868,17 @@
           <a:p>
             <a:r>
               <a:rPr lang="en-US" sz="2800" dirty="0"/>
-              <a:t>A: 30</a:t>
-            </a:r>
-          </a:p>
-          <a:p>
-            <a:r>
-              <a:rPr lang="en-US" sz="2800" dirty="0"/>
-              <a:t>B: 0</a:t>
-            </a:r>
-          </a:p>
-        </p:txBody>
-      </p:sp>
-      <p:sp>
-        <p:nvSpPr>
-          <p:cNvPr id="20" name="TextBox 19">
-            <a:extLst>
-              <a:ext uri="{FF2B5EF4-FFF2-40B4-BE49-F238E27FC236}">
-                <a16:creationId xmlns:a16="http://schemas.microsoft.com/office/drawing/2014/main" id="{161BF76B-CDB4-49B4-9D22-95907597D1AC}"/>
+              <a:t>Día 2:</a:t>
+            </a:r>
+          </a:p>
+        </p:txBody>
+      </p:sp>
+      <p:sp>
+        <p:nvSpPr>
+          <p:cNvPr id="13" name="TextBox 12">
+            <a:extLst>
+              <a:ext uri="{FF2B5EF4-FFF2-40B4-BE49-F238E27FC236}">
+                <a16:creationId xmlns:a16="http://schemas.microsoft.com/office/drawing/2014/main" id="{8C0071CD-D20B-4EA5-B5FE-034FA32503E4}"/>
               </a:ext>
             </a:extLst>
           </p:cNvPr>
@@ -12323,7 +11887,7 @@
         </p:nvSpPr>
         <p:spPr>
           <a:xfrm>
-            <a:off x="6856238" y="3025545"/>
+            <a:off x="1385306" y="3025546"/>
             <a:ext cx="936475" cy="954107"/>
           </a:xfrm>
           <a:prstGeom prst="rect">
@@ -12339,13 +11903,95 @@
           <a:p>
             <a:r>
               <a:rPr lang="en-US" sz="2800" dirty="0"/>
-              <a:t>A: 40</a:t>
+              <a:t>A: 30</a:t>
             </a:r>
           </a:p>
           <a:p>
             <a:r>
               <a:rPr lang="en-US" sz="2800" dirty="0"/>
-              <a:t>B: 55</a:t>
+              <a:t>B: 0</a:t>
+            </a:r>
+          </a:p>
+        </p:txBody>
+      </p:sp>
+      <p:sp>
+        <p:nvSpPr>
+          <p:cNvPr id="14" name="TextBox 13">
+            <a:extLst>
+              <a:ext uri="{FF2B5EF4-FFF2-40B4-BE49-F238E27FC236}">
+                <a16:creationId xmlns:a16="http://schemas.microsoft.com/office/drawing/2014/main" id="{A00115E1-1B70-4068-8D82-635C95E1591E}"/>
+              </a:ext>
+            </a:extLst>
+          </p:cNvPr>
+          <p:cNvSpPr txBox="1"/>
+          <p:nvPr/>
+        </p:nvSpPr>
+        <p:spPr>
+          <a:xfrm>
+            <a:off x="4039467" y="2980485"/>
+            <a:ext cx="936475" cy="954107"/>
+          </a:xfrm>
+          <a:prstGeom prst="rect">
+            <a:avLst/>
+          </a:prstGeom>
+          <a:noFill/>
+        </p:spPr>
+        <p:txBody>
+          <a:bodyPr wrap="none" rtlCol="0">
+            <a:spAutoFit/>
+          </a:bodyPr>
+          <a:lstStyle/>
+          <a:p>
+            <a:r>
+              <a:rPr lang="en-US" sz="2800" dirty="0"/>
+              <a:t>A: 30</a:t>
+            </a:r>
+          </a:p>
+          <a:p>
+            <a:r>
+              <a:rPr lang="en-US" sz="2800" dirty="0"/>
+              <a:t>B: 50</a:t>
+            </a:r>
+          </a:p>
+        </p:txBody>
+      </p:sp>
+      <p:sp>
+        <p:nvSpPr>
+          <p:cNvPr id="20" name="TextBox 19">
+            <a:extLst>
+              <a:ext uri="{FF2B5EF4-FFF2-40B4-BE49-F238E27FC236}">
+                <a16:creationId xmlns:a16="http://schemas.microsoft.com/office/drawing/2014/main" id="{161BF76B-CDB4-49B4-9D22-95907597D1AC}"/>
+              </a:ext>
+            </a:extLst>
+          </p:cNvPr>
+          <p:cNvSpPr txBox="1"/>
+          <p:nvPr/>
+        </p:nvSpPr>
+        <p:spPr>
+          <a:xfrm>
+            <a:off x="6856238" y="3025545"/>
+            <a:ext cx="936475" cy="954107"/>
+          </a:xfrm>
+          <a:prstGeom prst="rect">
+            <a:avLst/>
+          </a:prstGeom>
+          <a:noFill/>
+        </p:spPr>
+        <p:txBody>
+          <a:bodyPr wrap="none" rtlCol="0">
+            <a:spAutoFit/>
+          </a:bodyPr>
+          <a:lstStyle/>
+          <a:p>
+            <a:r>
+              <a:rPr lang="en-US" sz="2800" dirty="0"/>
+              <a:t>A: 10</a:t>
+            </a:r>
+          </a:p>
+          <a:p>
+            <a:r>
+              <a:rPr lang="en-US" sz="2800" dirty="0"/>
+              <a:t>B: 5</a:t>
             </a:r>
           </a:p>
         </p:txBody>
@@ -12353,7 +11999,7 @@
     </p:spTree>
     <p:extLst>
       <p:ext uri="{BB962C8B-B14F-4D97-AF65-F5344CB8AC3E}">
-        <p14:creationId xmlns:p14="http://schemas.microsoft.com/office/powerpoint/2010/main" val="2893404418"/>
+        <p14:creationId xmlns:p14="http://schemas.microsoft.com/office/powerpoint/2010/main" val="333000486"/>
       </p:ext>
     </p:extLst>
   </p:cSld>
@@ -12687,10 +12333,10 @@
       </p:cxnSp>
       <p:sp>
         <p:nvSpPr>
-          <p:cNvPr id="19" name="TextBox 18">
-            <a:extLst>
-              <a:ext uri="{FF2B5EF4-FFF2-40B4-BE49-F238E27FC236}">
-                <a16:creationId xmlns:a16="http://schemas.microsoft.com/office/drawing/2014/main" id="{94284189-AF30-49A3-B0BF-3A23197940F7}"/>
+          <p:cNvPr id="21" name="TextBox 20">
+            <a:extLst>
+              <a:ext uri="{FF2B5EF4-FFF2-40B4-BE49-F238E27FC236}">
+                <a16:creationId xmlns:a16="http://schemas.microsoft.com/office/drawing/2014/main" id="{662F5FB0-E68E-420C-AC78-B9C47B5B43FA}"/>
               </a:ext>
             </a:extLst>
           </p:cNvPr>
@@ -12699,8 +12345,8 @@
         </p:nvSpPr>
         <p:spPr>
           <a:xfrm>
-            <a:off x="5311676" y="3611268"/>
-            <a:ext cx="936475" cy="954107"/>
+            <a:off x="746390" y="2039013"/>
+            <a:ext cx="1019831" cy="523220"/>
           </a:xfrm>
           <a:prstGeom prst="rect">
             <a:avLst/>
@@ -12715,20 +12361,17 @@
           <a:p>
             <a:r>
               <a:rPr lang="en-US" sz="2800" dirty="0"/>
-              <a:t>A: 30</a:t>
-            </a:r>
-          </a:p>
-          <a:p>
-            <a:endParaRPr lang="en-US" sz="2800" dirty="0"/>
-          </a:p>
-        </p:txBody>
-      </p:sp>
-      <p:sp>
-        <p:nvSpPr>
-          <p:cNvPr id="21" name="TextBox 20">
-            <a:extLst>
-              <a:ext uri="{FF2B5EF4-FFF2-40B4-BE49-F238E27FC236}">
-                <a16:creationId xmlns:a16="http://schemas.microsoft.com/office/drawing/2014/main" id="{662F5FB0-E68E-420C-AC78-B9C47B5B43FA}"/>
+              <a:t>Día 2:</a:t>
+            </a:r>
+          </a:p>
+        </p:txBody>
+      </p:sp>
+      <p:sp>
+        <p:nvSpPr>
+          <p:cNvPr id="13" name="TextBox 12">
+            <a:extLst>
+              <a:ext uri="{FF2B5EF4-FFF2-40B4-BE49-F238E27FC236}">
+                <a16:creationId xmlns:a16="http://schemas.microsoft.com/office/drawing/2014/main" id="{8C0071CD-D20B-4EA5-B5FE-034FA32503E4}"/>
               </a:ext>
             </a:extLst>
           </p:cNvPr>
@@ -12737,8 +12380,8 @@
         </p:nvSpPr>
         <p:spPr>
           <a:xfrm>
-            <a:off x="746390" y="2039013"/>
-            <a:ext cx="1019831" cy="523220"/>
+            <a:off x="1385306" y="3025546"/>
+            <a:ext cx="753732" cy="954107"/>
           </a:xfrm>
           <a:prstGeom prst="rect">
             <a:avLst/>
@@ -12753,17 +12396,23 @@
           <a:p>
             <a:r>
               <a:rPr lang="en-US" sz="2800" dirty="0"/>
-              <a:t>Día 3:</a:t>
-            </a:r>
-          </a:p>
-        </p:txBody>
-      </p:sp>
-      <p:sp>
-        <p:nvSpPr>
-          <p:cNvPr id="13" name="TextBox 12">
-            <a:extLst>
-              <a:ext uri="{FF2B5EF4-FFF2-40B4-BE49-F238E27FC236}">
-                <a16:creationId xmlns:a16="http://schemas.microsoft.com/office/drawing/2014/main" id="{8C0071CD-D20B-4EA5-B5FE-034FA32503E4}"/>
+              <a:t>A: 0</a:t>
+            </a:r>
+          </a:p>
+          <a:p>
+            <a:r>
+              <a:rPr lang="en-US" sz="2800" dirty="0"/>
+              <a:t>B: 0</a:t>
+            </a:r>
+          </a:p>
+        </p:txBody>
+      </p:sp>
+      <p:sp>
+        <p:nvSpPr>
+          <p:cNvPr id="14" name="TextBox 13">
+            <a:extLst>
+              <a:ext uri="{FF2B5EF4-FFF2-40B4-BE49-F238E27FC236}">
+                <a16:creationId xmlns:a16="http://schemas.microsoft.com/office/drawing/2014/main" id="{A00115E1-1B70-4068-8D82-635C95E1591E}"/>
               </a:ext>
             </a:extLst>
           </p:cNvPr>
@@ -12772,8 +12421,8 @@
         </p:nvSpPr>
         <p:spPr>
           <a:xfrm>
-            <a:off x="1385306" y="3025546"/>
-            <a:ext cx="753732" cy="954107"/>
+            <a:off x="4039467" y="2980485"/>
+            <a:ext cx="936475" cy="954107"/>
           </a:xfrm>
           <a:prstGeom prst="rect">
             <a:avLst/>
@@ -12788,7 +12437,7 @@
           <a:p>
             <a:r>
               <a:rPr lang="en-US" sz="2800" dirty="0"/>
-              <a:t>A: 0</a:t>
+              <a:t>A: 30</a:t>
             </a:r>
           </a:p>
           <a:p>
@@ -12801,10 +12450,10 @@
       </p:sp>
       <p:sp>
         <p:nvSpPr>
-          <p:cNvPr id="14" name="TextBox 13">
-            <a:extLst>
-              <a:ext uri="{FF2B5EF4-FFF2-40B4-BE49-F238E27FC236}">
-                <a16:creationId xmlns:a16="http://schemas.microsoft.com/office/drawing/2014/main" id="{A00115E1-1B70-4068-8D82-635C95E1591E}"/>
+          <p:cNvPr id="20" name="TextBox 19">
+            <a:extLst>
+              <a:ext uri="{FF2B5EF4-FFF2-40B4-BE49-F238E27FC236}">
+                <a16:creationId xmlns:a16="http://schemas.microsoft.com/office/drawing/2014/main" id="{161BF76B-CDB4-49B4-9D22-95907597D1AC}"/>
               </a:ext>
             </a:extLst>
           </p:cNvPr>
@@ -12813,7 +12462,7 @@
         </p:nvSpPr>
         <p:spPr>
           <a:xfrm>
-            <a:off x="4039467" y="2980485"/>
+            <a:off x="6856238" y="3025545"/>
             <a:ext cx="936475" cy="954107"/>
           </a:xfrm>
           <a:prstGeom prst="rect">
@@ -12829,47 +12478,6 @@
           <a:p>
             <a:r>
               <a:rPr lang="en-US" sz="2800" dirty="0"/>
-              <a:t>A: 30</a:t>
-            </a:r>
-          </a:p>
-          <a:p>
-            <a:r>
-              <a:rPr lang="en-US" sz="2800" dirty="0"/>
-              <a:t>B: 0</a:t>
-            </a:r>
-          </a:p>
-        </p:txBody>
-      </p:sp>
-      <p:sp>
-        <p:nvSpPr>
-          <p:cNvPr id="20" name="TextBox 19">
-            <a:extLst>
-              <a:ext uri="{FF2B5EF4-FFF2-40B4-BE49-F238E27FC236}">
-                <a16:creationId xmlns:a16="http://schemas.microsoft.com/office/drawing/2014/main" id="{161BF76B-CDB4-49B4-9D22-95907597D1AC}"/>
-              </a:ext>
-            </a:extLst>
-          </p:cNvPr>
-          <p:cNvSpPr txBox="1"/>
-          <p:nvPr/>
-        </p:nvSpPr>
-        <p:spPr>
-          <a:xfrm>
-            <a:off x="6856238" y="3025545"/>
-            <a:ext cx="936475" cy="954107"/>
-          </a:xfrm>
-          <a:prstGeom prst="rect">
-            <a:avLst/>
-          </a:prstGeom>
-          <a:noFill/>
-        </p:spPr>
-        <p:txBody>
-          <a:bodyPr wrap="none" rtlCol="0">
-            <a:spAutoFit/>
-          </a:bodyPr>
-          <a:lstStyle/>
-          <a:p>
-            <a:r>
-              <a:rPr lang="en-US" sz="2800" dirty="0"/>
               <a:t>A: 40</a:t>
             </a:r>
           </a:p>
@@ -12884,7 +12492,7 @@
     </p:spTree>
     <p:extLst>
       <p:ext uri="{BB962C8B-B14F-4D97-AF65-F5344CB8AC3E}">
-        <p14:creationId xmlns:p14="http://schemas.microsoft.com/office/powerpoint/2010/main" val="1880773022"/>
+        <p14:creationId xmlns:p14="http://schemas.microsoft.com/office/powerpoint/2010/main" val="2893404418"/>
       </p:ext>
     </p:extLst>
   </p:cSld>
@@ -13218,10 +12826,10 @@
       </p:cxnSp>
       <p:sp>
         <p:nvSpPr>
-          <p:cNvPr id="21" name="TextBox 20">
-            <a:extLst>
-              <a:ext uri="{FF2B5EF4-FFF2-40B4-BE49-F238E27FC236}">
-                <a16:creationId xmlns:a16="http://schemas.microsoft.com/office/drawing/2014/main" id="{662F5FB0-E68E-420C-AC78-B9C47B5B43FA}"/>
+          <p:cNvPr id="19" name="TextBox 18">
+            <a:extLst>
+              <a:ext uri="{FF2B5EF4-FFF2-40B4-BE49-F238E27FC236}">
+                <a16:creationId xmlns:a16="http://schemas.microsoft.com/office/drawing/2014/main" id="{94284189-AF30-49A3-B0BF-3A23197940F7}"/>
               </a:ext>
             </a:extLst>
           </p:cNvPr>
@@ -13230,8 +12838,8 @@
         </p:nvSpPr>
         <p:spPr>
           <a:xfrm>
-            <a:off x="746390" y="2039013"/>
-            <a:ext cx="1019831" cy="523220"/>
+            <a:off x="5311676" y="3611268"/>
+            <a:ext cx="936475" cy="954107"/>
           </a:xfrm>
           <a:prstGeom prst="rect">
             <a:avLst/>
@@ -13246,17 +12854,20 @@
           <a:p>
             <a:r>
               <a:rPr lang="en-US" sz="2800" dirty="0"/>
-              <a:t>Día 3:</a:t>
-            </a:r>
-          </a:p>
-        </p:txBody>
-      </p:sp>
-      <p:sp>
-        <p:nvSpPr>
-          <p:cNvPr id="13" name="TextBox 12">
-            <a:extLst>
-              <a:ext uri="{FF2B5EF4-FFF2-40B4-BE49-F238E27FC236}">
-                <a16:creationId xmlns:a16="http://schemas.microsoft.com/office/drawing/2014/main" id="{8C0071CD-D20B-4EA5-B5FE-034FA32503E4}"/>
+              <a:t>A: 30</a:t>
+            </a:r>
+          </a:p>
+          <a:p>
+            <a:endParaRPr lang="en-US" sz="2800" dirty="0"/>
+          </a:p>
+        </p:txBody>
+      </p:sp>
+      <p:sp>
+        <p:nvSpPr>
+          <p:cNvPr id="21" name="TextBox 20">
+            <a:extLst>
+              <a:ext uri="{FF2B5EF4-FFF2-40B4-BE49-F238E27FC236}">
+                <a16:creationId xmlns:a16="http://schemas.microsoft.com/office/drawing/2014/main" id="{662F5FB0-E68E-420C-AC78-B9C47B5B43FA}"/>
               </a:ext>
             </a:extLst>
           </p:cNvPr>
@@ -13265,8 +12876,8 @@
         </p:nvSpPr>
         <p:spPr>
           <a:xfrm>
-            <a:off x="1385306" y="3025546"/>
-            <a:ext cx="753732" cy="954107"/>
+            <a:off x="746390" y="2039013"/>
+            <a:ext cx="1019831" cy="523220"/>
           </a:xfrm>
           <a:prstGeom prst="rect">
             <a:avLst/>
@@ -13281,23 +12892,17 @@
           <a:p>
             <a:r>
               <a:rPr lang="en-US" sz="2800" dirty="0"/>
-              <a:t>A: 0</a:t>
-            </a:r>
-          </a:p>
-          <a:p>
-            <a:r>
-              <a:rPr lang="en-US" sz="2800" dirty="0"/>
-              <a:t>B: 0</a:t>
-            </a:r>
-          </a:p>
-        </p:txBody>
-      </p:sp>
-      <p:sp>
-        <p:nvSpPr>
-          <p:cNvPr id="14" name="TextBox 13">
-            <a:extLst>
-              <a:ext uri="{FF2B5EF4-FFF2-40B4-BE49-F238E27FC236}">
-                <a16:creationId xmlns:a16="http://schemas.microsoft.com/office/drawing/2014/main" id="{A00115E1-1B70-4068-8D82-635C95E1591E}"/>
+              <a:t>Día 3:</a:t>
+            </a:r>
+          </a:p>
+        </p:txBody>
+      </p:sp>
+      <p:sp>
+        <p:nvSpPr>
+          <p:cNvPr id="13" name="TextBox 12">
+            <a:extLst>
+              <a:ext uri="{FF2B5EF4-FFF2-40B4-BE49-F238E27FC236}">
+                <a16:creationId xmlns:a16="http://schemas.microsoft.com/office/drawing/2014/main" id="{8C0071CD-D20B-4EA5-B5FE-034FA32503E4}"/>
               </a:ext>
             </a:extLst>
           </p:cNvPr>
@@ -13306,7 +12911,7 @@
         </p:nvSpPr>
         <p:spPr>
           <a:xfrm>
-            <a:off x="4039467" y="2980485"/>
+            <a:off x="1385306" y="3025546"/>
             <a:ext cx="753732" cy="954107"/>
           </a:xfrm>
           <a:prstGeom prst="rect">
@@ -13335,10 +12940,10 @@
       </p:sp>
       <p:sp>
         <p:nvSpPr>
-          <p:cNvPr id="20" name="TextBox 19">
-            <a:extLst>
-              <a:ext uri="{FF2B5EF4-FFF2-40B4-BE49-F238E27FC236}">
-                <a16:creationId xmlns:a16="http://schemas.microsoft.com/office/drawing/2014/main" id="{161BF76B-CDB4-49B4-9D22-95907597D1AC}"/>
+          <p:cNvPr id="14" name="TextBox 13">
+            <a:extLst>
+              <a:ext uri="{FF2B5EF4-FFF2-40B4-BE49-F238E27FC236}">
+                <a16:creationId xmlns:a16="http://schemas.microsoft.com/office/drawing/2014/main" id="{A00115E1-1B70-4068-8D82-635C95E1591E}"/>
               </a:ext>
             </a:extLst>
           </p:cNvPr>
@@ -13347,7 +12952,7 @@
         </p:nvSpPr>
         <p:spPr>
           <a:xfrm>
-            <a:off x="6856238" y="3025545"/>
+            <a:off x="4039467" y="2980485"/>
             <a:ext cx="936475" cy="954107"/>
           </a:xfrm>
           <a:prstGeom prst="rect">
@@ -13363,23 +12968,23 @@
           <a:p>
             <a:r>
               <a:rPr lang="en-US" sz="2800" dirty="0"/>
-              <a:t>A: 70</a:t>
+              <a:t>A: 30</a:t>
             </a:r>
           </a:p>
           <a:p>
             <a:r>
               <a:rPr lang="en-US" sz="2800" dirty="0"/>
-              <a:t>B: 55</a:t>
-            </a:r>
-          </a:p>
-        </p:txBody>
-      </p:sp>
-      <p:sp>
-        <p:nvSpPr>
-          <p:cNvPr id="18" name="TextBox 17">
-            <a:extLst>
-              <a:ext uri="{FF2B5EF4-FFF2-40B4-BE49-F238E27FC236}">
-                <a16:creationId xmlns:a16="http://schemas.microsoft.com/office/drawing/2014/main" id="{39BF9754-B75A-4CAB-B477-69C6296E8E43}"/>
+              <a:t>B: 0</a:t>
+            </a:r>
+          </a:p>
+        </p:txBody>
+      </p:sp>
+      <p:sp>
+        <p:nvSpPr>
+          <p:cNvPr id="20" name="TextBox 19">
+            <a:extLst>
+              <a:ext uri="{FF2B5EF4-FFF2-40B4-BE49-F238E27FC236}">
+                <a16:creationId xmlns:a16="http://schemas.microsoft.com/office/drawing/2014/main" id="{161BF76B-CDB4-49B4-9D22-95907597D1AC}"/>
               </a:ext>
             </a:extLst>
           </p:cNvPr>
@@ -13388,7 +12993,7 @@
         </p:nvSpPr>
         <p:spPr>
           <a:xfrm>
-            <a:off x="6856237" y="5384435"/>
+            <a:off x="6856238" y="3025545"/>
             <a:ext cx="936475" cy="954107"/>
           </a:xfrm>
           <a:prstGeom prst="rect">
@@ -13404,7 +13009,7 @@
           <a:p>
             <a:r>
               <a:rPr lang="en-US" sz="2800" dirty="0"/>
-              <a:t>A: 70</a:t>
+              <a:t>A: 40</a:t>
             </a:r>
           </a:p>
           <a:p>
@@ -13418,7 +13023,7 @@
     </p:spTree>
     <p:extLst>
       <p:ext uri="{BB962C8B-B14F-4D97-AF65-F5344CB8AC3E}">
-        <p14:creationId xmlns:p14="http://schemas.microsoft.com/office/powerpoint/2010/main" val="2108967309"/>
+        <p14:creationId xmlns:p14="http://schemas.microsoft.com/office/powerpoint/2010/main" val="1880773022"/>
       </p:ext>
     </p:extLst>
   </p:cSld>
@@ -13556,6 +13161,540 @@
       </p:grpSpPr>
       <p:sp>
         <p:nvSpPr>
+          <p:cNvPr id="4" name="Title 2">
+            <a:extLst>
+              <a:ext uri="{FF2B5EF4-FFF2-40B4-BE49-F238E27FC236}">
+                <a16:creationId xmlns:a16="http://schemas.microsoft.com/office/drawing/2014/main" id="{6FA46200-0C6C-4C31-AB58-EF1477AA5011}"/>
+              </a:ext>
+            </a:extLst>
+          </p:cNvPr>
+          <p:cNvSpPr>
+            <a:spLocks noGrp="1"/>
+          </p:cNvSpPr>
+          <p:nvPr>
+            <p:ph type="title"/>
+          </p:nvPr>
+        </p:nvSpPr>
+        <p:spPr>
+          <a:xfrm>
+            <a:off x="628650" y="295199"/>
+            <a:ext cx="7886700" cy="1325563"/>
+          </a:xfrm>
+        </p:spPr>
+        <p:txBody>
+          <a:bodyPr/>
+          <a:lstStyle/>
+          <a:p>
+            <a:r>
+              <a:rPr lang="es-PE" dirty="0"/>
+              <a:t>Ejemplo</a:t>
+            </a:r>
+            <a:endParaRPr lang="en-US" dirty="0"/>
+          </a:p>
+        </p:txBody>
+      </p:sp>
+      <p:cxnSp>
+        <p:nvCxnSpPr>
+          <p:cNvPr id="5" name="Straight Connector 4">
+            <a:extLst>
+              <a:ext uri="{FF2B5EF4-FFF2-40B4-BE49-F238E27FC236}">
+                <a16:creationId xmlns:a16="http://schemas.microsoft.com/office/drawing/2014/main" id="{3EFB9321-CAAC-4F9B-B9DD-1D250872CC96}"/>
+              </a:ext>
+            </a:extLst>
+          </p:cNvPr>
+          <p:cNvCxnSpPr/>
+          <p:nvPr/>
+        </p:nvCxnSpPr>
+        <p:spPr>
+          <a:xfrm>
+            <a:off x="500062" y="1539538"/>
+            <a:ext cx="8015288" cy="0"/>
+          </a:xfrm>
+          <a:prstGeom prst="line">
+            <a:avLst/>
+          </a:prstGeom>
+          <a:ln/>
+        </p:spPr>
+        <p:style>
+          <a:lnRef idx="3">
+            <a:schemeClr val="accent3"/>
+          </a:lnRef>
+          <a:fillRef idx="0">
+            <a:schemeClr val="accent3"/>
+          </a:fillRef>
+          <a:effectRef idx="2">
+            <a:schemeClr val="accent3"/>
+          </a:effectRef>
+          <a:fontRef idx="minor">
+            <a:schemeClr val="tx1"/>
+          </a:fontRef>
+        </p:style>
+      </p:cxnSp>
+      <p:sp>
+        <p:nvSpPr>
+          <p:cNvPr id="3" name="Oval 2">
+            <a:extLst>
+              <a:ext uri="{FF2B5EF4-FFF2-40B4-BE49-F238E27FC236}">
+                <a16:creationId xmlns:a16="http://schemas.microsoft.com/office/drawing/2014/main" id="{2758B197-F74C-4BB9-8E27-3DFB9CFA0545}"/>
+              </a:ext>
+            </a:extLst>
+          </p:cNvPr>
+          <p:cNvSpPr/>
+          <p:nvPr/>
+        </p:nvSpPr>
+        <p:spPr>
+          <a:xfrm>
+            <a:off x="1256306" y="4190338"/>
+            <a:ext cx="1065475" cy="1065475"/>
+          </a:xfrm>
+          <a:prstGeom prst="ellipse">
+            <a:avLst/>
+          </a:prstGeom>
+        </p:spPr>
+        <p:style>
+          <a:lnRef idx="2">
+            <a:schemeClr val="accent1">
+              <a:shade val="50000"/>
+            </a:schemeClr>
+          </a:lnRef>
+          <a:fillRef idx="1">
+            <a:schemeClr val="accent1"/>
+          </a:fillRef>
+          <a:effectRef idx="0">
+            <a:schemeClr val="accent1"/>
+          </a:effectRef>
+          <a:fontRef idx="minor">
+            <a:schemeClr val="lt1"/>
+          </a:fontRef>
+        </p:style>
+        <p:txBody>
+          <a:bodyPr rtlCol="0" anchor="ctr"/>
+          <a:lstStyle/>
+          <a:p>
+            <a:pPr algn="ctr"/>
+            <a:r>
+              <a:rPr lang="en-US" sz="5400" dirty="0"/>
+              <a:t>S</a:t>
+            </a:r>
+            <a:endParaRPr lang="en-US" dirty="0"/>
+          </a:p>
+        </p:txBody>
+      </p:sp>
+      <p:sp>
+        <p:nvSpPr>
+          <p:cNvPr id="15" name="Oval 14">
+            <a:extLst>
+              <a:ext uri="{FF2B5EF4-FFF2-40B4-BE49-F238E27FC236}">
+                <a16:creationId xmlns:a16="http://schemas.microsoft.com/office/drawing/2014/main" id="{886622D5-24CB-458F-9A4D-50AF5F7E389B}"/>
+              </a:ext>
+            </a:extLst>
+          </p:cNvPr>
+          <p:cNvSpPr/>
+          <p:nvPr/>
+        </p:nvSpPr>
+        <p:spPr>
+          <a:xfrm>
+            <a:off x="3974968" y="4190337"/>
+            <a:ext cx="1065475" cy="1065475"/>
+          </a:xfrm>
+          <a:prstGeom prst="ellipse">
+            <a:avLst/>
+          </a:prstGeom>
+        </p:spPr>
+        <p:style>
+          <a:lnRef idx="2">
+            <a:schemeClr val="accent1">
+              <a:shade val="50000"/>
+            </a:schemeClr>
+          </a:lnRef>
+          <a:fillRef idx="1">
+            <a:schemeClr val="accent1"/>
+          </a:fillRef>
+          <a:effectRef idx="0">
+            <a:schemeClr val="accent1"/>
+          </a:effectRef>
+          <a:fontRef idx="minor">
+            <a:schemeClr val="lt1"/>
+          </a:fontRef>
+        </p:style>
+        <p:txBody>
+          <a:bodyPr rtlCol="0" anchor="ctr"/>
+          <a:lstStyle/>
+          <a:p>
+            <a:pPr algn="ctr"/>
+            <a:r>
+              <a:rPr lang="en-US" sz="5400" dirty="0"/>
+              <a:t>T</a:t>
+            </a:r>
+          </a:p>
+        </p:txBody>
+      </p:sp>
+      <p:sp>
+        <p:nvSpPr>
+          <p:cNvPr id="16" name="Oval 15">
+            <a:extLst>
+              <a:ext uri="{FF2B5EF4-FFF2-40B4-BE49-F238E27FC236}">
+                <a16:creationId xmlns:a16="http://schemas.microsoft.com/office/drawing/2014/main" id="{37694C86-85E6-4545-B530-B9AE9F3B692E}"/>
+              </a:ext>
+            </a:extLst>
+          </p:cNvPr>
+          <p:cNvSpPr/>
+          <p:nvPr/>
+        </p:nvSpPr>
+        <p:spPr>
+          <a:xfrm>
+            <a:off x="6791739" y="4190337"/>
+            <a:ext cx="1065475" cy="1065475"/>
+          </a:xfrm>
+          <a:prstGeom prst="ellipse">
+            <a:avLst/>
+          </a:prstGeom>
+        </p:spPr>
+        <p:style>
+          <a:lnRef idx="2">
+            <a:schemeClr val="accent1">
+              <a:shade val="50000"/>
+            </a:schemeClr>
+          </a:lnRef>
+          <a:fillRef idx="1">
+            <a:schemeClr val="accent1"/>
+          </a:fillRef>
+          <a:effectRef idx="0">
+            <a:schemeClr val="accent1"/>
+          </a:effectRef>
+          <a:fontRef idx="minor">
+            <a:schemeClr val="lt1"/>
+          </a:fontRef>
+        </p:style>
+        <p:txBody>
+          <a:bodyPr rtlCol="0" anchor="ctr"/>
+          <a:lstStyle/>
+          <a:p>
+            <a:pPr algn="ctr"/>
+            <a:r>
+              <a:rPr lang="en-US" sz="5400" dirty="0"/>
+              <a:t>R</a:t>
+            </a:r>
+            <a:endParaRPr lang="en-US" dirty="0"/>
+          </a:p>
+        </p:txBody>
+      </p:sp>
+      <p:cxnSp>
+        <p:nvCxnSpPr>
+          <p:cNvPr id="8" name="Straight Arrow Connector 7">
+            <a:extLst>
+              <a:ext uri="{FF2B5EF4-FFF2-40B4-BE49-F238E27FC236}">
+                <a16:creationId xmlns:a16="http://schemas.microsoft.com/office/drawing/2014/main" id="{66CD046C-7AB8-4490-B8C6-38A6BF9034D7}"/>
+              </a:ext>
+            </a:extLst>
+          </p:cNvPr>
+          <p:cNvCxnSpPr>
+            <a:stCxn id="3" idx="6"/>
+            <a:endCxn id="15" idx="2"/>
+          </p:cNvCxnSpPr>
+          <p:nvPr/>
+        </p:nvCxnSpPr>
+        <p:spPr>
+          <a:xfrm flipV="1">
+            <a:off x="2321781" y="4723075"/>
+            <a:ext cx="1653187" cy="1"/>
+          </a:xfrm>
+          <a:prstGeom prst="straightConnector1">
+            <a:avLst/>
+          </a:prstGeom>
+          <a:ln w="76200">
+            <a:tailEnd type="triangle"/>
+          </a:ln>
+        </p:spPr>
+        <p:style>
+          <a:lnRef idx="1">
+            <a:schemeClr val="accent1"/>
+          </a:lnRef>
+          <a:fillRef idx="0">
+            <a:schemeClr val="accent1"/>
+          </a:fillRef>
+          <a:effectRef idx="0">
+            <a:schemeClr val="accent1"/>
+          </a:effectRef>
+          <a:fontRef idx="minor">
+            <a:schemeClr val="tx1"/>
+          </a:fontRef>
+        </p:style>
+      </p:cxnSp>
+      <p:cxnSp>
+        <p:nvCxnSpPr>
+          <p:cNvPr id="17" name="Straight Arrow Connector 16">
+            <a:extLst>
+              <a:ext uri="{FF2B5EF4-FFF2-40B4-BE49-F238E27FC236}">
+                <a16:creationId xmlns:a16="http://schemas.microsoft.com/office/drawing/2014/main" id="{D9925694-FDF1-4E27-88BC-D82BBCC5F5FA}"/>
+              </a:ext>
+            </a:extLst>
+          </p:cNvPr>
+          <p:cNvCxnSpPr>
+            <a:cxnSpLocks/>
+            <a:stCxn id="15" idx="6"/>
+            <a:endCxn id="16" idx="2"/>
+          </p:cNvCxnSpPr>
+          <p:nvPr/>
+        </p:nvCxnSpPr>
+        <p:spPr>
+          <a:xfrm>
+            <a:off x="5040443" y="4723075"/>
+            <a:ext cx="1751296" cy="0"/>
+          </a:xfrm>
+          <a:prstGeom prst="straightConnector1">
+            <a:avLst/>
+          </a:prstGeom>
+          <a:ln w="76200">
+            <a:tailEnd type="triangle"/>
+          </a:ln>
+        </p:spPr>
+        <p:style>
+          <a:lnRef idx="1">
+            <a:schemeClr val="accent1"/>
+          </a:lnRef>
+          <a:fillRef idx="0">
+            <a:schemeClr val="accent1"/>
+          </a:fillRef>
+          <a:effectRef idx="0">
+            <a:schemeClr val="accent1"/>
+          </a:effectRef>
+          <a:fontRef idx="minor">
+            <a:schemeClr val="tx1"/>
+          </a:fontRef>
+        </p:style>
+      </p:cxnSp>
+      <p:sp>
+        <p:nvSpPr>
+          <p:cNvPr id="21" name="TextBox 20">
+            <a:extLst>
+              <a:ext uri="{FF2B5EF4-FFF2-40B4-BE49-F238E27FC236}">
+                <a16:creationId xmlns:a16="http://schemas.microsoft.com/office/drawing/2014/main" id="{662F5FB0-E68E-420C-AC78-B9C47B5B43FA}"/>
+              </a:ext>
+            </a:extLst>
+          </p:cNvPr>
+          <p:cNvSpPr txBox="1"/>
+          <p:nvPr/>
+        </p:nvSpPr>
+        <p:spPr>
+          <a:xfrm>
+            <a:off x="746390" y="2039013"/>
+            <a:ext cx="1019831" cy="523220"/>
+          </a:xfrm>
+          <a:prstGeom prst="rect">
+            <a:avLst/>
+          </a:prstGeom>
+          <a:noFill/>
+        </p:spPr>
+        <p:txBody>
+          <a:bodyPr wrap="none" rtlCol="0">
+            <a:spAutoFit/>
+          </a:bodyPr>
+          <a:lstStyle/>
+          <a:p>
+            <a:r>
+              <a:rPr lang="en-US" sz="2800" dirty="0"/>
+              <a:t>Día 3:</a:t>
+            </a:r>
+          </a:p>
+        </p:txBody>
+      </p:sp>
+      <p:sp>
+        <p:nvSpPr>
+          <p:cNvPr id="13" name="TextBox 12">
+            <a:extLst>
+              <a:ext uri="{FF2B5EF4-FFF2-40B4-BE49-F238E27FC236}">
+                <a16:creationId xmlns:a16="http://schemas.microsoft.com/office/drawing/2014/main" id="{8C0071CD-D20B-4EA5-B5FE-034FA32503E4}"/>
+              </a:ext>
+            </a:extLst>
+          </p:cNvPr>
+          <p:cNvSpPr txBox="1"/>
+          <p:nvPr/>
+        </p:nvSpPr>
+        <p:spPr>
+          <a:xfrm>
+            <a:off x="1385306" y="3025546"/>
+            <a:ext cx="753732" cy="954107"/>
+          </a:xfrm>
+          <a:prstGeom prst="rect">
+            <a:avLst/>
+          </a:prstGeom>
+          <a:noFill/>
+        </p:spPr>
+        <p:txBody>
+          <a:bodyPr wrap="none" rtlCol="0">
+            <a:spAutoFit/>
+          </a:bodyPr>
+          <a:lstStyle/>
+          <a:p>
+            <a:r>
+              <a:rPr lang="en-US" sz="2800" dirty="0"/>
+              <a:t>A: 0</a:t>
+            </a:r>
+          </a:p>
+          <a:p>
+            <a:r>
+              <a:rPr lang="en-US" sz="2800" dirty="0"/>
+              <a:t>B: 0</a:t>
+            </a:r>
+          </a:p>
+        </p:txBody>
+      </p:sp>
+      <p:sp>
+        <p:nvSpPr>
+          <p:cNvPr id="14" name="TextBox 13">
+            <a:extLst>
+              <a:ext uri="{FF2B5EF4-FFF2-40B4-BE49-F238E27FC236}">
+                <a16:creationId xmlns:a16="http://schemas.microsoft.com/office/drawing/2014/main" id="{A00115E1-1B70-4068-8D82-635C95E1591E}"/>
+              </a:ext>
+            </a:extLst>
+          </p:cNvPr>
+          <p:cNvSpPr txBox="1"/>
+          <p:nvPr/>
+        </p:nvSpPr>
+        <p:spPr>
+          <a:xfrm>
+            <a:off x="4039467" y="2980485"/>
+            <a:ext cx="753732" cy="954107"/>
+          </a:xfrm>
+          <a:prstGeom prst="rect">
+            <a:avLst/>
+          </a:prstGeom>
+          <a:noFill/>
+        </p:spPr>
+        <p:txBody>
+          <a:bodyPr wrap="none" rtlCol="0">
+            <a:spAutoFit/>
+          </a:bodyPr>
+          <a:lstStyle/>
+          <a:p>
+            <a:r>
+              <a:rPr lang="en-US" sz="2800" dirty="0"/>
+              <a:t>A: 0</a:t>
+            </a:r>
+          </a:p>
+          <a:p>
+            <a:r>
+              <a:rPr lang="en-US" sz="2800" dirty="0"/>
+              <a:t>B: 0</a:t>
+            </a:r>
+          </a:p>
+        </p:txBody>
+      </p:sp>
+      <p:sp>
+        <p:nvSpPr>
+          <p:cNvPr id="20" name="TextBox 19">
+            <a:extLst>
+              <a:ext uri="{FF2B5EF4-FFF2-40B4-BE49-F238E27FC236}">
+                <a16:creationId xmlns:a16="http://schemas.microsoft.com/office/drawing/2014/main" id="{161BF76B-CDB4-49B4-9D22-95907597D1AC}"/>
+              </a:ext>
+            </a:extLst>
+          </p:cNvPr>
+          <p:cNvSpPr txBox="1"/>
+          <p:nvPr/>
+        </p:nvSpPr>
+        <p:spPr>
+          <a:xfrm>
+            <a:off x="6856238" y="3025545"/>
+            <a:ext cx="936475" cy="954107"/>
+          </a:xfrm>
+          <a:prstGeom prst="rect">
+            <a:avLst/>
+          </a:prstGeom>
+          <a:noFill/>
+        </p:spPr>
+        <p:txBody>
+          <a:bodyPr wrap="none" rtlCol="0">
+            <a:spAutoFit/>
+          </a:bodyPr>
+          <a:lstStyle/>
+          <a:p>
+            <a:r>
+              <a:rPr lang="en-US" sz="2800" dirty="0"/>
+              <a:t>A: 70</a:t>
+            </a:r>
+          </a:p>
+          <a:p>
+            <a:r>
+              <a:rPr lang="en-US" sz="2800" dirty="0"/>
+              <a:t>B: 55</a:t>
+            </a:r>
+          </a:p>
+        </p:txBody>
+      </p:sp>
+      <p:sp>
+        <p:nvSpPr>
+          <p:cNvPr id="18" name="TextBox 17">
+            <a:extLst>
+              <a:ext uri="{FF2B5EF4-FFF2-40B4-BE49-F238E27FC236}">
+                <a16:creationId xmlns:a16="http://schemas.microsoft.com/office/drawing/2014/main" id="{39BF9754-B75A-4CAB-B477-69C6296E8E43}"/>
+              </a:ext>
+            </a:extLst>
+          </p:cNvPr>
+          <p:cNvSpPr txBox="1"/>
+          <p:nvPr/>
+        </p:nvSpPr>
+        <p:spPr>
+          <a:xfrm>
+            <a:off x="6856237" y="5384435"/>
+            <a:ext cx="936475" cy="954107"/>
+          </a:xfrm>
+          <a:prstGeom prst="rect">
+            <a:avLst/>
+          </a:prstGeom>
+          <a:noFill/>
+        </p:spPr>
+        <p:txBody>
+          <a:bodyPr wrap="none" rtlCol="0">
+            <a:spAutoFit/>
+          </a:bodyPr>
+          <a:lstStyle/>
+          <a:p>
+            <a:r>
+              <a:rPr lang="en-US" sz="2800" dirty="0"/>
+              <a:t>A: 70</a:t>
+            </a:r>
+          </a:p>
+          <a:p>
+            <a:r>
+              <a:rPr lang="en-US" sz="2800" dirty="0"/>
+              <a:t>B: 55</a:t>
+            </a:r>
+          </a:p>
+        </p:txBody>
+      </p:sp>
+    </p:spTree>
+    <p:extLst>
+      <p:ext uri="{BB962C8B-B14F-4D97-AF65-F5344CB8AC3E}">
+        <p14:creationId xmlns:p14="http://schemas.microsoft.com/office/powerpoint/2010/main" val="2108967309"/>
+      </p:ext>
+    </p:extLst>
+  </p:cSld>
+  <p:clrMapOvr>
+    <a:masterClrMapping/>
+  </p:clrMapOvr>
+</p:sld>
+</file>
+
+<file path=ppt/slides/slide31.xml><?xml version="1.0" encoding="utf-8"?>
+<p:sld xmlns:a="http://schemas.openxmlformats.org/drawingml/2006/main" xmlns:r="http://schemas.openxmlformats.org/officeDocument/2006/relationships" xmlns:p="http://schemas.openxmlformats.org/presentationml/2006/main">
+  <p:cSld>
+    <p:spTree>
+      <p:nvGrpSpPr>
+        <p:cNvPr id="1" name=""/>
+        <p:cNvGrpSpPr/>
+        <p:nvPr/>
+      </p:nvGrpSpPr>
+      <p:grpSpPr>
+        <a:xfrm>
+          <a:off x="0" y="0"/>
+          <a:ext cx="0" cy="0"/>
+          <a:chOff x="0" y="0"/>
+          <a:chExt cx="0" cy="0"/>
+        </a:xfrm>
+      </p:grpSpPr>
+      <p:sp>
+        <p:nvSpPr>
           <p:cNvPr id="2" name="Title 1"/>
           <p:cNvSpPr>
             <a:spLocks noGrp="1"/>
@@ -13646,7 +13785,7 @@
 </p:sld>
 </file>
 
-<file path=ppt/slides/slide31.xml><?xml version="1.0" encoding="utf-8"?>
+<file path=ppt/slides/slide32.xml><?xml version="1.0" encoding="utf-8"?>
 <p:sld xmlns:a="http://schemas.openxmlformats.org/drawingml/2006/main" xmlns:r="http://schemas.openxmlformats.org/officeDocument/2006/relationships" xmlns:p="http://schemas.openxmlformats.org/presentationml/2006/main">
   <p:cSld>
     <p:spTree>
@@ -13776,7 +13915,7 @@
 </p:sld>
 </file>
 
-<file path=ppt/slides/slide32.xml><?xml version="1.0" encoding="utf-8"?>
+<file path=ppt/slides/slide33.xml><?xml version="1.0" encoding="utf-8"?>
 <p:sld xmlns:a="http://schemas.openxmlformats.org/drawingml/2006/main" xmlns:r="http://schemas.openxmlformats.org/officeDocument/2006/relationships" xmlns:p="http://schemas.openxmlformats.org/presentationml/2006/main">
   <p:cSld>
     <p:spTree>
@@ -13906,7 +14045,7 @@
 </p:sld>
 </file>
 
-<file path=ppt/slides/slide33.xml><?xml version="1.0" encoding="utf-8"?>
+<file path=ppt/slides/slide34.xml><?xml version="1.0" encoding="utf-8"?>
 <p:sld xmlns:a="http://schemas.openxmlformats.org/drawingml/2006/main" xmlns:r="http://schemas.openxmlformats.org/officeDocument/2006/relationships" xmlns:p="http://schemas.openxmlformats.org/presentationml/2006/main">
   <p:cSld>
     <p:spTree>
@@ -14083,7 +14222,7 @@
 </p:sld>
 </file>
 
-<file path=ppt/slides/slide34.xml><?xml version="1.0" encoding="utf-8"?>
+<file path=ppt/slides/slide35.xml><?xml version="1.0" encoding="utf-8"?>
 <p:sld xmlns:a="http://schemas.openxmlformats.org/drawingml/2006/main" xmlns:r="http://schemas.openxmlformats.org/officeDocument/2006/relationships" xmlns:p="http://schemas.openxmlformats.org/presentationml/2006/main">
   <p:cSld>
     <p:spTree>
@@ -14276,180 +14415,6 @@
 </p:sld>
 </file>
 
-<file path=ppt/slides/slide35.xml><?xml version="1.0" encoding="utf-8"?>
-<p:sld xmlns:a="http://schemas.openxmlformats.org/drawingml/2006/main" xmlns:r="http://schemas.openxmlformats.org/officeDocument/2006/relationships" xmlns:p="http://schemas.openxmlformats.org/presentationml/2006/main">
-  <p:cSld>
-    <p:spTree>
-      <p:nvGrpSpPr>
-        <p:cNvPr id="1" name=""/>
-        <p:cNvGrpSpPr/>
-        <p:nvPr/>
-      </p:nvGrpSpPr>
-      <p:grpSpPr>
-        <a:xfrm>
-          <a:off x="0" y="0"/>
-          <a:ext cx="0" cy="0"/>
-          <a:chOff x="0" y="0"/>
-          <a:chExt cx="0" cy="0"/>
-        </a:xfrm>
-      </p:grpSpPr>
-      <p:sp>
-        <p:nvSpPr>
-          <p:cNvPr id="4" name="Title 2">
-            <a:extLst>
-              <a:ext uri="{FF2B5EF4-FFF2-40B4-BE49-F238E27FC236}">
-                <a16:creationId xmlns:a16="http://schemas.microsoft.com/office/drawing/2014/main" id="{6FA46200-0C6C-4C31-AB58-EF1477AA5011}"/>
-              </a:ext>
-            </a:extLst>
-          </p:cNvPr>
-          <p:cNvSpPr>
-            <a:spLocks noGrp="1"/>
-          </p:cNvSpPr>
-          <p:nvPr>
-            <p:ph type="title"/>
-          </p:nvPr>
-        </p:nvSpPr>
-        <p:spPr>
-          <a:xfrm>
-            <a:off x="628650" y="295199"/>
-            <a:ext cx="7886700" cy="1325563"/>
-          </a:xfrm>
-        </p:spPr>
-        <p:txBody>
-          <a:bodyPr/>
-          <a:lstStyle/>
-          <a:p>
-            <a:r>
-              <a:rPr lang="es-PE" dirty="0"/>
-              <a:t>Resultados</a:t>
-            </a:r>
-            <a:endParaRPr lang="en-US" dirty="0"/>
-          </a:p>
-        </p:txBody>
-      </p:sp>
-      <p:cxnSp>
-        <p:nvCxnSpPr>
-          <p:cNvPr id="5" name="Straight Connector 4">
-            <a:extLst>
-              <a:ext uri="{FF2B5EF4-FFF2-40B4-BE49-F238E27FC236}">
-                <a16:creationId xmlns:a16="http://schemas.microsoft.com/office/drawing/2014/main" id="{3EFB9321-CAAC-4F9B-B9DD-1D250872CC96}"/>
-              </a:ext>
-            </a:extLst>
-          </p:cNvPr>
-          <p:cNvCxnSpPr/>
-          <p:nvPr/>
-        </p:nvCxnSpPr>
-        <p:spPr>
-          <a:xfrm>
-            <a:off x="500062" y="1539538"/>
-            <a:ext cx="8015288" cy="0"/>
-          </a:xfrm>
-          <a:prstGeom prst="line">
-            <a:avLst/>
-          </a:prstGeom>
-          <a:ln/>
-        </p:spPr>
-        <p:style>
-          <a:lnRef idx="3">
-            <a:schemeClr val="accent3"/>
-          </a:lnRef>
-          <a:fillRef idx="0">
-            <a:schemeClr val="accent3"/>
-          </a:fillRef>
-          <a:effectRef idx="2">
-            <a:schemeClr val="accent3"/>
-          </a:effectRef>
-          <a:fontRef idx="minor">
-            <a:schemeClr val="tx1"/>
-          </a:fontRef>
-        </p:style>
-      </p:cxnSp>
-      <p:sp>
-        <p:nvSpPr>
-          <p:cNvPr id="6" name="TextBox 5">
-            <a:extLst>
-              <a:ext uri="{FF2B5EF4-FFF2-40B4-BE49-F238E27FC236}">
-                <a16:creationId xmlns:a16="http://schemas.microsoft.com/office/drawing/2014/main" id="{138D6453-04BC-460E-AB15-E1D6FE0434CA}"/>
-              </a:ext>
-            </a:extLst>
-          </p:cNvPr>
-          <p:cNvSpPr txBox="1"/>
-          <p:nvPr/>
-        </p:nvSpPr>
-        <p:spPr>
-          <a:xfrm>
-            <a:off x="385931" y="6044052"/>
-            <a:ext cx="8758069" cy="369332"/>
-          </a:xfrm>
-          <a:prstGeom prst="rect">
-            <a:avLst/>
-          </a:prstGeom>
-          <a:noFill/>
-        </p:spPr>
-        <p:txBody>
-          <a:bodyPr wrap="square" rtlCol="0">
-            <a:spAutoFit/>
-          </a:bodyPr>
-          <a:lstStyle/>
-          <a:p>
-            <a:r>
-              <a:rPr lang="en-US" dirty="0" err="1"/>
-              <a:t>Reducci</a:t>
-            </a:r>
-            <a:r>
-              <a:rPr lang="es-PE" dirty="0" err="1"/>
-              <a:t>ón</a:t>
-            </a:r>
-            <a:r>
-              <a:rPr lang="es-PE" dirty="0"/>
-              <a:t> de la demanda insatisfecha a lo largo de los días asignados para la distribución</a:t>
-            </a:r>
-            <a:endParaRPr lang="en-US" dirty="0"/>
-          </a:p>
-        </p:txBody>
-      </p:sp>
-      <p:pic>
-        <p:nvPicPr>
-          <p:cNvPr id="7" name="Picture 6">
-            <a:extLst>
-              <a:ext uri="{FF2B5EF4-FFF2-40B4-BE49-F238E27FC236}">
-                <a16:creationId xmlns:a16="http://schemas.microsoft.com/office/drawing/2014/main" id="{C50D6F4B-702B-4202-9ABB-518D99F54A40}"/>
-              </a:ext>
-            </a:extLst>
-          </p:cNvPr>
-          <p:cNvPicPr>
-            <a:picLocks noChangeAspect="1"/>
-          </p:cNvPicPr>
-          <p:nvPr/>
-        </p:nvPicPr>
-        <p:blipFill rotWithShape="1">
-          <a:blip r:embed="rId2"/>
-          <a:srcRect b="17613"/>
-          <a:stretch/>
-        </p:blipFill>
-        <p:spPr>
-          <a:xfrm>
-            <a:off x="1061889" y="1723383"/>
-            <a:ext cx="7020221" cy="3986173"/>
-          </a:xfrm>
-          <a:prstGeom prst="rect">
-            <a:avLst/>
-          </a:prstGeom>
-        </p:spPr>
-      </p:pic>
-    </p:spTree>
-    <p:extLst>
-      <p:ext uri="{BB962C8B-B14F-4D97-AF65-F5344CB8AC3E}">
-        <p14:creationId xmlns:p14="http://schemas.microsoft.com/office/powerpoint/2010/main" val="2404925074"/>
-      </p:ext>
-    </p:extLst>
-  </p:cSld>
-  <p:clrMapOvr>
-    <a:masterClrMapping/>
-  </p:clrMapOvr>
-</p:sld>
-</file>
-
 <file path=ppt/slides/slide36.xml><?xml version="1.0" encoding="utf-8"?>
 <p:sld xmlns:a="http://schemas.openxmlformats.org/drawingml/2006/main" xmlns:r="http://schemas.openxmlformats.org/officeDocument/2006/relationships" xmlns:p="http://schemas.openxmlformats.org/presentationml/2006/main">
   <p:cSld>
@@ -14552,6 +14517,180 @@
         </p:nvSpPr>
         <p:spPr>
           <a:xfrm>
+            <a:off x="385931" y="6044052"/>
+            <a:ext cx="8758069" cy="369332"/>
+          </a:xfrm>
+          <a:prstGeom prst="rect">
+            <a:avLst/>
+          </a:prstGeom>
+          <a:noFill/>
+        </p:spPr>
+        <p:txBody>
+          <a:bodyPr wrap="square" rtlCol="0">
+            <a:spAutoFit/>
+          </a:bodyPr>
+          <a:lstStyle/>
+          <a:p>
+            <a:r>
+              <a:rPr lang="en-US" dirty="0" err="1"/>
+              <a:t>Reducci</a:t>
+            </a:r>
+            <a:r>
+              <a:rPr lang="es-PE" dirty="0" err="1"/>
+              <a:t>ón</a:t>
+            </a:r>
+            <a:r>
+              <a:rPr lang="es-PE" dirty="0"/>
+              <a:t> de la demanda insatisfecha a lo largo de los días asignados para la distribución</a:t>
+            </a:r>
+            <a:endParaRPr lang="en-US" dirty="0"/>
+          </a:p>
+        </p:txBody>
+      </p:sp>
+      <p:pic>
+        <p:nvPicPr>
+          <p:cNvPr id="7" name="Picture 6">
+            <a:extLst>
+              <a:ext uri="{FF2B5EF4-FFF2-40B4-BE49-F238E27FC236}">
+                <a16:creationId xmlns:a16="http://schemas.microsoft.com/office/drawing/2014/main" id="{C50D6F4B-702B-4202-9ABB-518D99F54A40}"/>
+              </a:ext>
+            </a:extLst>
+          </p:cNvPr>
+          <p:cNvPicPr>
+            <a:picLocks noChangeAspect="1"/>
+          </p:cNvPicPr>
+          <p:nvPr/>
+        </p:nvPicPr>
+        <p:blipFill rotWithShape="1">
+          <a:blip r:embed="rId2"/>
+          <a:srcRect b="17613"/>
+          <a:stretch/>
+        </p:blipFill>
+        <p:spPr>
+          <a:xfrm>
+            <a:off x="1061889" y="1723383"/>
+            <a:ext cx="7020221" cy="3986173"/>
+          </a:xfrm>
+          <a:prstGeom prst="rect">
+            <a:avLst/>
+          </a:prstGeom>
+        </p:spPr>
+      </p:pic>
+    </p:spTree>
+    <p:extLst>
+      <p:ext uri="{BB962C8B-B14F-4D97-AF65-F5344CB8AC3E}">
+        <p14:creationId xmlns:p14="http://schemas.microsoft.com/office/powerpoint/2010/main" val="2404925074"/>
+      </p:ext>
+    </p:extLst>
+  </p:cSld>
+  <p:clrMapOvr>
+    <a:masterClrMapping/>
+  </p:clrMapOvr>
+</p:sld>
+</file>
+
+<file path=ppt/slides/slide37.xml><?xml version="1.0" encoding="utf-8"?>
+<p:sld xmlns:a="http://schemas.openxmlformats.org/drawingml/2006/main" xmlns:r="http://schemas.openxmlformats.org/officeDocument/2006/relationships" xmlns:p="http://schemas.openxmlformats.org/presentationml/2006/main">
+  <p:cSld>
+    <p:spTree>
+      <p:nvGrpSpPr>
+        <p:cNvPr id="1" name=""/>
+        <p:cNvGrpSpPr/>
+        <p:nvPr/>
+      </p:nvGrpSpPr>
+      <p:grpSpPr>
+        <a:xfrm>
+          <a:off x="0" y="0"/>
+          <a:ext cx="0" cy="0"/>
+          <a:chOff x="0" y="0"/>
+          <a:chExt cx="0" cy="0"/>
+        </a:xfrm>
+      </p:grpSpPr>
+      <p:sp>
+        <p:nvSpPr>
+          <p:cNvPr id="4" name="Title 2">
+            <a:extLst>
+              <a:ext uri="{FF2B5EF4-FFF2-40B4-BE49-F238E27FC236}">
+                <a16:creationId xmlns:a16="http://schemas.microsoft.com/office/drawing/2014/main" id="{6FA46200-0C6C-4C31-AB58-EF1477AA5011}"/>
+              </a:ext>
+            </a:extLst>
+          </p:cNvPr>
+          <p:cNvSpPr>
+            <a:spLocks noGrp="1"/>
+          </p:cNvSpPr>
+          <p:nvPr>
+            <p:ph type="title"/>
+          </p:nvPr>
+        </p:nvSpPr>
+        <p:spPr>
+          <a:xfrm>
+            <a:off x="628650" y="295199"/>
+            <a:ext cx="7886700" cy="1325563"/>
+          </a:xfrm>
+        </p:spPr>
+        <p:txBody>
+          <a:bodyPr/>
+          <a:lstStyle/>
+          <a:p>
+            <a:r>
+              <a:rPr lang="es-PE" dirty="0"/>
+              <a:t>Resultados</a:t>
+            </a:r>
+            <a:endParaRPr lang="en-US" dirty="0"/>
+          </a:p>
+        </p:txBody>
+      </p:sp>
+      <p:cxnSp>
+        <p:nvCxnSpPr>
+          <p:cNvPr id="5" name="Straight Connector 4">
+            <a:extLst>
+              <a:ext uri="{FF2B5EF4-FFF2-40B4-BE49-F238E27FC236}">
+                <a16:creationId xmlns:a16="http://schemas.microsoft.com/office/drawing/2014/main" id="{3EFB9321-CAAC-4F9B-B9DD-1D250872CC96}"/>
+              </a:ext>
+            </a:extLst>
+          </p:cNvPr>
+          <p:cNvCxnSpPr/>
+          <p:nvPr/>
+        </p:nvCxnSpPr>
+        <p:spPr>
+          <a:xfrm>
+            <a:off x="500062" y="1539538"/>
+            <a:ext cx="8015288" cy="0"/>
+          </a:xfrm>
+          <a:prstGeom prst="line">
+            <a:avLst/>
+          </a:prstGeom>
+          <a:ln/>
+        </p:spPr>
+        <p:style>
+          <a:lnRef idx="3">
+            <a:schemeClr val="accent3"/>
+          </a:lnRef>
+          <a:fillRef idx="0">
+            <a:schemeClr val="accent3"/>
+          </a:fillRef>
+          <a:effectRef idx="2">
+            <a:schemeClr val="accent3"/>
+          </a:effectRef>
+          <a:fontRef idx="minor">
+            <a:schemeClr val="tx1"/>
+          </a:fontRef>
+        </p:style>
+      </p:cxnSp>
+      <p:sp>
+        <p:nvSpPr>
+          <p:cNvPr id="6" name="TextBox 5">
+            <a:extLst>
+              <a:ext uri="{FF2B5EF4-FFF2-40B4-BE49-F238E27FC236}">
+                <a16:creationId xmlns:a16="http://schemas.microsoft.com/office/drawing/2014/main" id="{138D6453-04BC-460E-AB15-E1D6FE0434CA}"/>
+              </a:ext>
+            </a:extLst>
+          </p:cNvPr>
+          <p:cNvSpPr txBox="1"/>
+          <p:nvPr/>
+        </p:nvSpPr>
+        <p:spPr>
+          <a:xfrm>
             <a:off x="1179409" y="6239977"/>
             <a:ext cx="6634573" cy="369332"/>
           </a:xfrm>
@@ -14857,7 +14996,7 @@
 </p:sld>
 </file>
 
-<file path=ppt/slides/slide37.xml><?xml version="1.0" encoding="utf-8"?>
+<file path=ppt/slides/slide38.xml><?xml version="1.0" encoding="utf-8"?>
 <p:sld xmlns:a="http://schemas.openxmlformats.org/drawingml/2006/main" xmlns:r="http://schemas.openxmlformats.org/officeDocument/2006/relationships" xmlns:p="http://schemas.openxmlformats.org/presentationml/2006/main">
   <p:cSld>
     <p:spTree>
@@ -15072,7 +15211,7 @@
           <a:p>
             <a:r>
               <a:rPr lang="es-PE" dirty="0"/>
-              <a:t>Contexto</a:t>
+              <a:t>Desastres y Fenómenos Naturales</a:t>
             </a:r>
             <a:endParaRPr lang="en-US" dirty="0"/>
           </a:p>
@@ -15211,7 +15350,7 @@
         <p:spPr/>
         <p:txBody>
           <a:bodyPr>
-            <a:normAutofit lnSpcReduction="10000"/>
+            <a:normAutofit/>
           </a:bodyPr>
           <a:lstStyle/>
           <a:p>
@@ -15239,7 +15378,7 @@
           <a:p>
             <a:r>
               <a:rPr lang="es-ES" dirty="0"/>
-              <a:t>93 mil 708 viviendas entre destruidas e inhabitables</a:t>
+              <a:t>93 mil 708 viviendas destruidas o inhabitables</a:t>
             </a:r>
           </a:p>
           <a:p>
@@ -15251,7 +15390,7 @@
           <a:p>
             <a:r>
               <a:rPr lang="es-ES" dirty="0"/>
-              <a:t>Movilización de un aproximado </a:t>
+              <a:t>Movilización de un aproximado de </a:t>
             </a:r>
             <a:r>
               <a:rPr lang="es-ES" b="1" dirty="0"/>
